--- a/docs/Presentation.pptx
+++ b/docs/Presentation.pptx
@@ -5,18 +5,17 @@
     <p:sldMasterId id="2147483648" r:id="rId1"/>
   </p:sldMasterIdLst>
   <p:notesMasterIdLst>
-    <p:notesMasterId r:id="rId11"/>
+    <p:notesMasterId r:id="rId10"/>
   </p:notesMasterIdLst>
   <p:sldIdLst>
     <p:sldId id="263" r:id="rId2"/>
-    <p:sldId id="257" r:id="rId3"/>
-    <p:sldId id="259" r:id="rId4"/>
+    <p:sldId id="275" r:id="rId3"/>
+    <p:sldId id="260" r:id="rId4"/>
     <p:sldId id="274" r:id="rId5"/>
-    <p:sldId id="273" r:id="rId6"/>
-    <p:sldId id="272" r:id="rId7"/>
-    <p:sldId id="260" r:id="rId8"/>
-    <p:sldId id="275" r:id="rId9"/>
-    <p:sldId id="264" r:id="rId10"/>
+    <p:sldId id="272" r:id="rId6"/>
+    <p:sldId id="277" r:id="rId7"/>
+    <p:sldId id="276" r:id="rId8"/>
+    <p:sldId id="264" r:id="rId9"/>
   </p:sldIdLst>
   <p:sldSz cx="12192000" cy="6858000"/>
   <p:notesSz cx="6858000" cy="9144000"/>
@@ -205,7 +204,7 @@
           <a:p>
             <a:fld id="{AE7BA408-30A0-47BD-BF99-8E76EC319113}" type="datetimeFigureOut">
               <a:rPr lang="bg-BG" smtClean="0"/>
-              <a:t>20.7.2023 г.</a:t>
+              <a:t>21.7.2023 г.</a:t>
             </a:fld>
             <a:endParaRPr lang="bg-BG" dirty="0"/>
           </a:p>
@@ -669,6 +668,11 @@
         </p:txBody>
       </p:sp>
     </p:spTree>
+    <p:extLst>
+      <p:ext uri="{BB962C8B-B14F-4D97-AF65-F5344CB8AC3E}">
+        <p14:creationId xmlns:p14="http://schemas.microsoft.com/office/powerpoint/2010/main" val="1158720636"/>
+      </p:ext>
+    </p:extLst>
   </p:cSld>
   <p:clrMapOvr>
     <a:masterClrMapping/>
@@ -681,7 +685,7 @@
   <p:cSld>
     <p:spTree>
       <p:nvGrpSpPr>
-        <p:cNvPr id="1" name="Shape 473"/>
+        <p:cNvPr id="1" name="Shape 490"/>
         <p:cNvGrpSpPr/>
         <p:nvPr/>
       </p:nvGrpSpPr>
@@ -695,7 +699,7 @@
       </p:grpSpPr>
       <p:sp>
         <p:nvSpPr>
-          <p:cNvPr id="474" name="Google Shape;474;gb347e33ac9_0_5:notes"/>
+          <p:cNvPr id="491" name="Google Shape;491;gab8d1ca927_3_206:notes"/>
           <p:cNvSpPr>
             <a:spLocks noGrp="1" noRot="1" noChangeAspect="1"/>
           </p:cNvSpPr>
@@ -736,7 +740,7 @@
       </p:sp>
       <p:sp>
         <p:nvSpPr>
-          <p:cNvPr id="475" name="Google Shape;475;gb347e33ac9_0_5:notes"/>
+          <p:cNvPr id="492" name="Google Shape;492;gab8d1ca927_3_206:notes"/>
           <p:cNvSpPr txBox="1">
             <a:spLocks noGrp="1"/>
           </p:cNvSpPr>
@@ -785,7 +789,7 @@
   <p:cSld>
     <p:spTree>
       <p:nvGrpSpPr>
-        <p:cNvPr id="1" name="Shape 490"/>
+        <p:cNvPr id="1" name="Shape 460"/>
         <p:cNvGrpSpPr/>
         <p:nvPr/>
       </p:nvGrpSpPr>
@@ -799,7 +803,7 @@
       </p:grpSpPr>
       <p:sp>
         <p:nvSpPr>
-          <p:cNvPr id="491" name="Google Shape;491;gab8d1ca927_3_206:notes"/>
+          <p:cNvPr id="461" name="Google Shape;461;gab8d1ca927_3_0:notes"/>
           <p:cNvSpPr>
             <a:spLocks noGrp="1" noRot="1" noChangeAspect="1"/>
           </p:cNvSpPr>
@@ -840,7 +844,7 @@
       </p:sp>
       <p:sp>
         <p:nvSpPr>
-          <p:cNvPr id="492" name="Google Shape;492;gab8d1ca927_3_206:notes"/>
+          <p:cNvPr id="462" name="Google Shape;462;gab8d1ca927_3_0:notes"/>
           <p:cNvSpPr txBox="1">
             <a:spLocks noGrp="1"/>
           </p:cNvSpPr>
@@ -877,6 +881,11 @@
         </p:txBody>
       </p:sp>
     </p:spTree>
+    <p:extLst>
+      <p:ext uri="{BB962C8B-B14F-4D97-AF65-F5344CB8AC3E}">
+        <p14:creationId xmlns:p14="http://schemas.microsoft.com/office/powerpoint/2010/main" val="2445107060"/>
+      </p:ext>
+    </p:extLst>
   </p:cSld>
   <p:clrMapOvr>
     <a:masterClrMapping/>
@@ -983,7 +992,7 @@
     </p:spTree>
     <p:extLst>
       <p:ext uri="{BB962C8B-B14F-4D97-AF65-F5344CB8AC3E}">
-        <p14:creationId xmlns:p14="http://schemas.microsoft.com/office/powerpoint/2010/main" val="1158720636"/>
+        <p14:creationId xmlns:p14="http://schemas.microsoft.com/office/powerpoint/2010/main" val="4028497926"/>
       </p:ext>
     </p:extLst>
   </p:cSld>
@@ -1228,7 +1237,7 @@
           <a:p>
             <a:fld id="{96A54FD2-9807-47AE-B332-82BE46C02019}" type="datetimeFigureOut">
               <a:rPr lang="bg-BG" smtClean="0"/>
-              <a:t>20.7.2023 г.</a:t>
+              <a:t>21.7.2023 г.</a:t>
             </a:fld>
             <a:endParaRPr lang="bg-BG" dirty="0"/>
           </a:p>
@@ -1393,7 +1402,7 @@
           <a:p>
             <a:fld id="{96A54FD2-9807-47AE-B332-82BE46C02019}" type="datetimeFigureOut">
               <a:rPr lang="bg-BG" smtClean="0"/>
-              <a:t>20.7.2023 г.</a:t>
+              <a:t>21.7.2023 г.</a:t>
             </a:fld>
             <a:endParaRPr lang="bg-BG" dirty="0"/>
           </a:p>
@@ -1568,7 +1577,7 @@
           <a:p>
             <a:fld id="{96A54FD2-9807-47AE-B332-82BE46C02019}" type="datetimeFigureOut">
               <a:rPr lang="bg-BG" smtClean="0"/>
-              <a:t>20.7.2023 г.</a:t>
+              <a:t>21.7.2023 г.</a:t>
             </a:fld>
             <a:endParaRPr lang="bg-BG" dirty="0"/>
           </a:p>
@@ -4035,3168 +4044,6 @@
 </file>
 
 <file path=ppt/slideLayouts/slideLayout14.xml><?xml version="1.0" encoding="utf-8"?>
-<p:sldLayout xmlns:a="http://schemas.openxmlformats.org/drawingml/2006/main" xmlns:r="http://schemas.openxmlformats.org/officeDocument/2006/relationships" xmlns:p="http://schemas.openxmlformats.org/presentationml/2006/main" matchingName="Table of cotents">
-  <p:cSld name="Table of cotents">
-    <p:spTree>
-      <p:nvGrpSpPr>
-        <p:cNvPr id="1" name="Shape 166"/>
-        <p:cNvGrpSpPr/>
-        <p:nvPr/>
-      </p:nvGrpSpPr>
-      <p:grpSpPr>
-        <a:xfrm>
-          <a:off x="0" y="0"/>
-          <a:ext cx="0" cy="0"/>
-          <a:chOff x="0" y="0"/>
-          <a:chExt cx="0" cy="0"/>
-        </a:xfrm>
-      </p:grpSpPr>
-      <p:sp>
-        <p:nvSpPr>
-          <p:cNvPr id="167" name="Google Shape;167;p13"/>
-          <p:cNvSpPr txBox="1">
-            <a:spLocks noGrp="1"/>
-          </p:cNvSpPr>
-          <p:nvPr>
-            <p:ph type="title"/>
-          </p:nvPr>
-        </p:nvSpPr>
-        <p:spPr>
-          <a:xfrm>
-            <a:off x="3636000" y="484367"/>
-            <a:ext cx="4920000" cy="763600"/>
-          </a:xfrm>
-          <a:prstGeom prst="rect">
-            <a:avLst/>
-          </a:prstGeom>
-        </p:spPr>
-        <p:txBody>
-          <a:bodyPr spcFirstLastPara="1" wrap="square" lIns="91425" tIns="91425" rIns="91425" bIns="91425" anchor="t" anchorCtr="0">
-            <a:noAutofit/>
-          </a:bodyPr>
-          <a:lstStyle>
-            <a:lvl1pPr lvl="0">
-              <a:spcBef>
-                <a:spcPts val="0"/>
-              </a:spcBef>
-              <a:spcAft>
-                <a:spcPts val="0"/>
-              </a:spcAft>
-              <a:buSzPts val="3000"/>
-              <a:buNone/>
-              <a:defRPr/>
-            </a:lvl1pPr>
-            <a:lvl2pPr lvl="1">
-              <a:spcBef>
-                <a:spcPts val="0"/>
-              </a:spcBef>
-              <a:spcAft>
-                <a:spcPts val="0"/>
-              </a:spcAft>
-              <a:buSzPts val="3000"/>
-              <a:buNone/>
-              <a:defRPr>
-                <a:latin typeface="Open Sans"/>
-                <a:ea typeface="Open Sans"/>
-                <a:cs typeface="Open Sans"/>
-                <a:sym typeface="Open Sans"/>
-              </a:defRPr>
-            </a:lvl2pPr>
-            <a:lvl3pPr lvl="2">
-              <a:spcBef>
-                <a:spcPts val="0"/>
-              </a:spcBef>
-              <a:spcAft>
-                <a:spcPts val="0"/>
-              </a:spcAft>
-              <a:buSzPts val="3000"/>
-              <a:buNone/>
-              <a:defRPr>
-                <a:latin typeface="Open Sans"/>
-                <a:ea typeface="Open Sans"/>
-                <a:cs typeface="Open Sans"/>
-                <a:sym typeface="Open Sans"/>
-              </a:defRPr>
-            </a:lvl3pPr>
-            <a:lvl4pPr lvl="3">
-              <a:spcBef>
-                <a:spcPts val="0"/>
-              </a:spcBef>
-              <a:spcAft>
-                <a:spcPts val="0"/>
-              </a:spcAft>
-              <a:buSzPts val="3000"/>
-              <a:buNone/>
-              <a:defRPr>
-                <a:latin typeface="Open Sans"/>
-                <a:ea typeface="Open Sans"/>
-                <a:cs typeface="Open Sans"/>
-                <a:sym typeface="Open Sans"/>
-              </a:defRPr>
-            </a:lvl4pPr>
-            <a:lvl5pPr lvl="4">
-              <a:spcBef>
-                <a:spcPts val="0"/>
-              </a:spcBef>
-              <a:spcAft>
-                <a:spcPts val="0"/>
-              </a:spcAft>
-              <a:buSzPts val="3000"/>
-              <a:buNone/>
-              <a:defRPr>
-                <a:latin typeface="Open Sans"/>
-                <a:ea typeface="Open Sans"/>
-                <a:cs typeface="Open Sans"/>
-                <a:sym typeface="Open Sans"/>
-              </a:defRPr>
-            </a:lvl5pPr>
-            <a:lvl6pPr lvl="5">
-              <a:spcBef>
-                <a:spcPts val="0"/>
-              </a:spcBef>
-              <a:spcAft>
-                <a:spcPts val="0"/>
-              </a:spcAft>
-              <a:buSzPts val="3000"/>
-              <a:buNone/>
-              <a:defRPr>
-                <a:latin typeface="Open Sans"/>
-                <a:ea typeface="Open Sans"/>
-                <a:cs typeface="Open Sans"/>
-                <a:sym typeface="Open Sans"/>
-              </a:defRPr>
-            </a:lvl6pPr>
-            <a:lvl7pPr lvl="6">
-              <a:spcBef>
-                <a:spcPts val="0"/>
-              </a:spcBef>
-              <a:spcAft>
-                <a:spcPts val="0"/>
-              </a:spcAft>
-              <a:buSzPts val="3000"/>
-              <a:buNone/>
-              <a:defRPr>
-                <a:latin typeface="Open Sans"/>
-                <a:ea typeface="Open Sans"/>
-                <a:cs typeface="Open Sans"/>
-                <a:sym typeface="Open Sans"/>
-              </a:defRPr>
-            </a:lvl7pPr>
-            <a:lvl8pPr lvl="7">
-              <a:spcBef>
-                <a:spcPts val="0"/>
-              </a:spcBef>
-              <a:spcAft>
-                <a:spcPts val="0"/>
-              </a:spcAft>
-              <a:buSzPts val="3000"/>
-              <a:buNone/>
-              <a:defRPr>
-                <a:latin typeface="Open Sans"/>
-                <a:ea typeface="Open Sans"/>
-                <a:cs typeface="Open Sans"/>
-                <a:sym typeface="Open Sans"/>
-              </a:defRPr>
-            </a:lvl8pPr>
-            <a:lvl9pPr lvl="8">
-              <a:spcBef>
-                <a:spcPts val="0"/>
-              </a:spcBef>
-              <a:spcAft>
-                <a:spcPts val="0"/>
-              </a:spcAft>
-              <a:buSzPts val="3000"/>
-              <a:buNone/>
-              <a:defRPr>
-                <a:latin typeface="Open Sans"/>
-                <a:ea typeface="Open Sans"/>
-                <a:cs typeface="Open Sans"/>
-                <a:sym typeface="Open Sans"/>
-              </a:defRPr>
-            </a:lvl9pPr>
-          </a:lstStyle>
-          <a:p>
-            <a:endParaRPr/>
-          </a:p>
-        </p:txBody>
-      </p:sp>
-      <p:sp>
-        <p:nvSpPr>
-          <p:cNvPr id="168" name="Google Shape;168;p13"/>
-          <p:cNvSpPr txBox="1">
-            <a:spLocks noGrp="1"/>
-          </p:cNvSpPr>
-          <p:nvPr>
-            <p:ph type="subTitle" idx="1"/>
-          </p:nvPr>
-        </p:nvSpPr>
-        <p:spPr>
-          <a:xfrm>
-            <a:off x="5839533" y="2491967"/>
-            <a:ext cx="5106800" cy="476000"/>
-          </a:xfrm>
-          <a:prstGeom prst="rect">
-            <a:avLst/>
-          </a:prstGeom>
-        </p:spPr>
-        <p:txBody>
-          <a:bodyPr spcFirstLastPara="1" wrap="square" lIns="91425" tIns="91425" rIns="91425" bIns="91425" anchor="ctr" anchorCtr="0">
-            <a:noAutofit/>
-          </a:bodyPr>
-          <a:lstStyle>
-            <a:lvl1pPr lvl="0" algn="ctr" rtl="0">
-              <a:lnSpc>
-                <a:spcPct val="100000"/>
-              </a:lnSpc>
-              <a:spcBef>
-                <a:spcPts val="0"/>
-              </a:spcBef>
-              <a:spcAft>
-                <a:spcPts val="0"/>
-              </a:spcAft>
-              <a:buClr>
-                <a:schemeClr val="dk1"/>
-              </a:buClr>
-              <a:buSzPts val="2100"/>
-              <a:buFont typeface="Josefin Sans"/>
-              <a:buNone/>
-              <a:defRPr sz="3600" b="1">
-                <a:solidFill>
-                  <a:schemeClr val="dk1"/>
-                </a:solidFill>
-                <a:latin typeface="Josefin Sans"/>
-                <a:ea typeface="Josefin Sans"/>
-                <a:cs typeface="Josefin Sans"/>
-                <a:sym typeface="Josefin Sans"/>
-              </a:defRPr>
-            </a:lvl1pPr>
-            <a:lvl2pPr lvl="1" algn="ctr" rtl="0">
-              <a:spcBef>
-                <a:spcPts val="0"/>
-              </a:spcBef>
-              <a:spcAft>
-                <a:spcPts val="0"/>
-              </a:spcAft>
-              <a:buClr>
-                <a:schemeClr val="dk1"/>
-              </a:buClr>
-              <a:buSzPts val="2100"/>
-              <a:buFont typeface="Josefin Sans"/>
-              <a:buNone/>
-              <a:defRPr sz="2800" b="1">
-                <a:solidFill>
-                  <a:schemeClr val="dk1"/>
-                </a:solidFill>
-                <a:latin typeface="Josefin Sans"/>
-                <a:ea typeface="Josefin Sans"/>
-                <a:cs typeface="Josefin Sans"/>
-                <a:sym typeface="Josefin Sans"/>
-              </a:defRPr>
-            </a:lvl2pPr>
-            <a:lvl3pPr lvl="2" algn="ctr" rtl="0">
-              <a:spcBef>
-                <a:spcPts val="2135"/>
-              </a:spcBef>
-              <a:spcAft>
-                <a:spcPts val="0"/>
-              </a:spcAft>
-              <a:buClr>
-                <a:schemeClr val="dk1"/>
-              </a:buClr>
-              <a:buSzPts val="2100"/>
-              <a:buFont typeface="Josefin Sans"/>
-              <a:buNone/>
-              <a:defRPr sz="2800" b="1">
-                <a:solidFill>
-                  <a:schemeClr val="dk1"/>
-                </a:solidFill>
-                <a:latin typeface="Josefin Sans"/>
-                <a:ea typeface="Josefin Sans"/>
-                <a:cs typeface="Josefin Sans"/>
-                <a:sym typeface="Josefin Sans"/>
-              </a:defRPr>
-            </a:lvl3pPr>
-            <a:lvl4pPr lvl="3" algn="ctr" rtl="0">
-              <a:spcBef>
-                <a:spcPts val="2135"/>
-              </a:spcBef>
-              <a:spcAft>
-                <a:spcPts val="0"/>
-              </a:spcAft>
-              <a:buClr>
-                <a:schemeClr val="dk1"/>
-              </a:buClr>
-              <a:buSzPts val="2100"/>
-              <a:buFont typeface="Josefin Sans"/>
-              <a:buNone/>
-              <a:defRPr sz="2800" b="1">
-                <a:solidFill>
-                  <a:schemeClr val="dk1"/>
-                </a:solidFill>
-                <a:latin typeface="Josefin Sans"/>
-                <a:ea typeface="Josefin Sans"/>
-                <a:cs typeface="Josefin Sans"/>
-                <a:sym typeface="Josefin Sans"/>
-              </a:defRPr>
-            </a:lvl4pPr>
-            <a:lvl5pPr lvl="4" algn="ctr" rtl="0">
-              <a:spcBef>
-                <a:spcPts val="2135"/>
-              </a:spcBef>
-              <a:spcAft>
-                <a:spcPts val="0"/>
-              </a:spcAft>
-              <a:buClr>
-                <a:schemeClr val="dk1"/>
-              </a:buClr>
-              <a:buSzPts val="2100"/>
-              <a:buFont typeface="Josefin Sans"/>
-              <a:buNone/>
-              <a:defRPr sz="2800" b="1">
-                <a:solidFill>
-                  <a:schemeClr val="dk1"/>
-                </a:solidFill>
-                <a:latin typeface="Josefin Sans"/>
-                <a:ea typeface="Josefin Sans"/>
-                <a:cs typeface="Josefin Sans"/>
-                <a:sym typeface="Josefin Sans"/>
-              </a:defRPr>
-            </a:lvl5pPr>
-            <a:lvl6pPr lvl="5" algn="ctr" rtl="0">
-              <a:spcBef>
-                <a:spcPts val="2135"/>
-              </a:spcBef>
-              <a:spcAft>
-                <a:spcPts val="0"/>
-              </a:spcAft>
-              <a:buClr>
-                <a:schemeClr val="dk1"/>
-              </a:buClr>
-              <a:buSzPts val="2100"/>
-              <a:buFont typeface="Josefin Sans"/>
-              <a:buNone/>
-              <a:defRPr sz="2800" b="1">
-                <a:solidFill>
-                  <a:schemeClr val="dk1"/>
-                </a:solidFill>
-                <a:latin typeface="Josefin Sans"/>
-                <a:ea typeface="Josefin Sans"/>
-                <a:cs typeface="Josefin Sans"/>
-                <a:sym typeface="Josefin Sans"/>
-              </a:defRPr>
-            </a:lvl6pPr>
-            <a:lvl7pPr lvl="6" algn="ctr" rtl="0">
-              <a:spcBef>
-                <a:spcPts val="2135"/>
-              </a:spcBef>
-              <a:spcAft>
-                <a:spcPts val="0"/>
-              </a:spcAft>
-              <a:buClr>
-                <a:schemeClr val="dk1"/>
-              </a:buClr>
-              <a:buSzPts val="2100"/>
-              <a:buFont typeface="Josefin Sans"/>
-              <a:buNone/>
-              <a:defRPr sz="2800" b="1">
-                <a:solidFill>
-                  <a:schemeClr val="dk1"/>
-                </a:solidFill>
-                <a:latin typeface="Josefin Sans"/>
-                <a:ea typeface="Josefin Sans"/>
-                <a:cs typeface="Josefin Sans"/>
-                <a:sym typeface="Josefin Sans"/>
-              </a:defRPr>
-            </a:lvl7pPr>
-            <a:lvl8pPr lvl="7" algn="ctr" rtl="0">
-              <a:spcBef>
-                <a:spcPts val="2135"/>
-              </a:spcBef>
-              <a:spcAft>
-                <a:spcPts val="0"/>
-              </a:spcAft>
-              <a:buClr>
-                <a:schemeClr val="dk1"/>
-              </a:buClr>
-              <a:buSzPts val="2100"/>
-              <a:buFont typeface="Josefin Sans"/>
-              <a:buNone/>
-              <a:defRPr sz="2800" b="1">
-                <a:solidFill>
-                  <a:schemeClr val="dk1"/>
-                </a:solidFill>
-                <a:latin typeface="Josefin Sans"/>
-                <a:ea typeface="Josefin Sans"/>
-                <a:cs typeface="Josefin Sans"/>
-                <a:sym typeface="Josefin Sans"/>
-              </a:defRPr>
-            </a:lvl8pPr>
-            <a:lvl9pPr lvl="8" algn="ctr" rtl="0">
-              <a:spcBef>
-                <a:spcPts val="2135"/>
-              </a:spcBef>
-              <a:spcAft>
-                <a:spcPts val="2135"/>
-              </a:spcAft>
-              <a:buClr>
-                <a:schemeClr val="dk1"/>
-              </a:buClr>
-              <a:buSzPts val="2100"/>
-              <a:buFont typeface="Josefin Sans"/>
-              <a:buNone/>
-              <a:defRPr sz="2800" b="1">
-                <a:solidFill>
-                  <a:schemeClr val="dk1"/>
-                </a:solidFill>
-                <a:latin typeface="Josefin Sans"/>
-                <a:ea typeface="Josefin Sans"/>
-                <a:cs typeface="Josefin Sans"/>
-                <a:sym typeface="Josefin Sans"/>
-              </a:defRPr>
-            </a:lvl9pPr>
-          </a:lstStyle>
-          <a:p>
-            <a:endParaRPr/>
-          </a:p>
-        </p:txBody>
-      </p:sp>
-      <p:sp>
-        <p:nvSpPr>
-          <p:cNvPr id="169" name="Google Shape;169;p13"/>
-          <p:cNvSpPr txBox="1">
-            <a:spLocks noGrp="1"/>
-          </p:cNvSpPr>
-          <p:nvPr>
-            <p:ph type="subTitle" idx="2"/>
-          </p:nvPr>
-        </p:nvSpPr>
-        <p:spPr>
-          <a:xfrm>
-            <a:off x="6735451" y="2917451"/>
-            <a:ext cx="3314800" cy="824800"/>
-          </a:xfrm>
-          <a:prstGeom prst="rect">
-            <a:avLst/>
-          </a:prstGeom>
-        </p:spPr>
-        <p:txBody>
-          <a:bodyPr spcFirstLastPara="1" wrap="square" lIns="91425" tIns="91425" rIns="91425" bIns="91425" anchor="t" anchorCtr="0">
-            <a:noAutofit/>
-          </a:bodyPr>
-          <a:lstStyle>
-            <a:lvl1pPr lvl="0" algn="ctr" rtl="0">
-              <a:lnSpc>
-                <a:spcPct val="100000"/>
-              </a:lnSpc>
-              <a:spcBef>
-                <a:spcPts val="0"/>
-              </a:spcBef>
-              <a:spcAft>
-                <a:spcPts val="0"/>
-              </a:spcAft>
-              <a:buSzPts val="1400"/>
-              <a:buNone/>
-              <a:defRPr sz="1865"/>
-            </a:lvl1pPr>
-            <a:lvl2pPr lvl="1" algn="ctr" rtl="0">
-              <a:spcBef>
-                <a:spcPts val="0"/>
-              </a:spcBef>
-              <a:spcAft>
-                <a:spcPts val="0"/>
-              </a:spcAft>
-              <a:buSzPts val="1400"/>
-              <a:buNone/>
-              <a:defRPr/>
-            </a:lvl2pPr>
-            <a:lvl3pPr lvl="2" algn="ctr" rtl="0">
-              <a:spcBef>
-                <a:spcPts val="2135"/>
-              </a:spcBef>
-              <a:spcAft>
-                <a:spcPts val="0"/>
-              </a:spcAft>
-              <a:buSzPts val="1400"/>
-              <a:buNone/>
-              <a:defRPr/>
-            </a:lvl3pPr>
-            <a:lvl4pPr lvl="3" algn="ctr" rtl="0">
-              <a:spcBef>
-                <a:spcPts val="2135"/>
-              </a:spcBef>
-              <a:spcAft>
-                <a:spcPts val="0"/>
-              </a:spcAft>
-              <a:buSzPts val="1400"/>
-              <a:buNone/>
-              <a:defRPr/>
-            </a:lvl4pPr>
-            <a:lvl5pPr lvl="4" algn="ctr" rtl="0">
-              <a:spcBef>
-                <a:spcPts val="2135"/>
-              </a:spcBef>
-              <a:spcAft>
-                <a:spcPts val="0"/>
-              </a:spcAft>
-              <a:buSzPts val="1400"/>
-              <a:buNone/>
-              <a:defRPr/>
-            </a:lvl5pPr>
-            <a:lvl6pPr lvl="5" algn="ctr" rtl="0">
-              <a:spcBef>
-                <a:spcPts val="2135"/>
-              </a:spcBef>
-              <a:spcAft>
-                <a:spcPts val="0"/>
-              </a:spcAft>
-              <a:buSzPts val="1400"/>
-              <a:buNone/>
-              <a:defRPr/>
-            </a:lvl6pPr>
-            <a:lvl7pPr lvl="6" algn="ctr" rtl="0">
-              <a:spcBef>
-                <a:spcPts val="2135"/>
-              </a:spcBef>
-              <a:spcAft>
-                <a:spcPts val="0"/>
-              </a:spcAft>
-              <a:buSzPts val="1400"/>
-              <a:buNone/>
-              <a:defRPr/>
-            </a:lvl7pPr>
-            <a:lvl8pPr lvl="7" algn="ctr" rtl="0">
-              <a:spcBef>
-                <a:spcPts val="2135"/>
-              </a:spcBef>
-              <a:spcAft>
-                <a:spcPts val="0"/>
-              </a:spcAft>
-              <a:buSzPts val="1400"/>
-              <a:buNone/>
-              <a:defRPr/>
-            </a:lvl8pPr>
-            <a:lvl9pPr lvl="8" algn="ctr" rtl="0">
-              <a:spcBef>
-                <a:spcPts val="2135"/>
-              </a:spcBef>
-              <a:spcAft>
-                <a:spcPts val="2135"/>
-              </a:spcAft>
-              <a:buSzPts val="1400"/>
-              <a:buNone/>
-              <a:defRPr/>
-            </a:lvl9pPr>
-          </a:lstStyle>
-          <a:p>
-            <a:endParaRPr/>
-          </a:p>
-        </p:txBody>
-      </p:sp>
-      <p:sp>
-        <p:nvSpPr>
-          <p:cNvPr id="170" name="Google Shape;170;p13"/>
-          <p:cNvSpPr txBox="1">
-            <a:spLocks noGrp="1"/>
-          </p:cNvSpPr>
-          <p:nvPr>
-            <p:ph type="subTitle" idx="3"/>
-          </p:nvPr>
-        </p:nvSpPr>
-        <p:spPr>
-          <a:xfrm>
-            <a:off x="1245651" y="2491967"/>
-            <a:ext cx="4920000" cy="476000"/>
-          </a:xfrm>
-          <a:prstGeom prst="rect">
-            <a:avLst/>
-          </a:prstGeom>
-        </p:spPr>
-        <p:txBody>
-          <a:bodyPr spcFirstLastPara="1" wrap="square" lIns="91425" tIns="91425" rIns="91425" bIns="91425" anchor="ctr" anchorCtr="0">
-            <a:noAutofit/>
-          </a:bodyPr>
-          <a:lstStyle>
-            <a:lvl1pPr lvl="0" algn="ctr" rtl="0">
-              <a:lnSpc>
-                <a:spcPct val="100000"/>
-              </a:lnSpc>
-              <a:spcBef>
-                <a:spcPts val="0"/>
-              </a:spcBef>
-              <a:spcAft>
-                <a:spcPts val="0"/>
-              </a:spcAft>
-              <a:buClr>
-                <a:schemeClr val="dk1"/>
-              </a:buClr>
-              <a:buSzPts val="2100"/>
-              <a:buFont typeface="Josefin Sans"/>
-              <a:buNone/>
-              <a:defRPr sz="3600" b="1">
-                <a:solidFill>
-                  <a:schemeClr val="dk1"/>
-                </a:solidFill>
-                <a:latin typeface="Josefin Sans"/>
-                <a:ea typeface="Josefin Sans"/>
-                <a:cs typeface="Josefin Sans"/>
-                <a:sym typeface="Josefin Sans"/>
-              </a:defRPr>
-            </a:lvl1pPr>
-            <a:lvl2pPr lvl="1" algn="ctr" rtl="0">
-              <a:spcBef>
-                <a:spcPts val="0"/>
-              </a:spcBef>
-              <a:spcAft>
-                <a:spcPts val="0"/>
-              </a:spcAft>
-              <a:buClr>
-                <a:schemeClr val="dk1"/>
-              </a:buClr>
-              <a:buSzPts val="2100"/>
-              <a:buFont typeface="Josefin Sans"/>
-              <a:buNone/>
-              <a:defRPr sz="2800" b="1">
-                <a:solidFill>
-                  <a:schemeClr val="dk1"/>
-                </a:solidFill>
-                <a:latin typeface="Josefin Sans"/>
-                <a:ea typeface="Josefin Sans"/>
-                <a:cs typeface="Josefin Sans"/>
-                <a:sym typeface="Josefin Sans"/>
-              </a:defRPr>
-            </a:lvl2pPr>
-            <a:lvl3pPr lvl="2" algn="ctr" rtl="0">
-              <a:spcBef>
-                <a:spcPts val="2135"/>
-              </a:spcBef>
-              <a:spcAft>
-                <a:spcPts val="0"/>
-              </a:spcAft>
-              <a:buClr>
-                <a:schemeClr val="dk1"/>
-              </a:buClr>
-              <a:buSzPts val="2100"/>
-              <a:buFont typeface="Josefin Sans"/>
-              <a:buNone/>
-              <a:defRPr sz="2800" b="1">
-                <a:solidFill>
-                  <a:schemeClr val="dk1"/>
-                </a:solidFill>
-                <a:latin typeface="Josefin Sans"/>
-                <a:ea typeface="Josefin Sans"/>
-                <a:cs typeface="Josefin Sans"/>
-                <a:sym typeface="Josefin Sans"/>
-              </a:defRPr>
-            </a:lvl3pPr>
-            <a:lvl4pPr lvl="3" algn="ctr" rtl="0">
-              <a:spcBef>
-                <a:spcPts val="2135"/>
-              </a:spcBef>
-              <a:spcAft>
-                <a:spcPts val="0"/>
-              </a:spcAft>
-              <a:buClr>
-                <a:schemeClr val="dk1"/>
-              </a:buClr>
-              <a:buSzPts val="2100"/>
-              <a:buFont typeface="Josefin Sans"/>
-              <a:buNone/>
-              <a:defRPr sz="2800" b="1">
-                <a:solidFill>
-                  <a:schemeClr val="dk1"/>
-                </a:solidFill>
-                <a:latin typeface="Josefin Sans"/>
-                <a:ea typeface="Josefin Sans"/>
-                <a:cs typeface="Josefin Sans"/>
-                <a:sym typeface="Josefin Sans"/>
-              </a:defRPr>
-            </a:lvl4pPr>
-            <a:lvl5pPr lvl="4" algn="ctr" rtl="0">
-              <a:spcBef>
-                <a:spcPts val="2135"/>
-              </a:spcBef>
-              <a:spcAft>
-                <a:spcPts val="0"/>
-              </a:spcAft>
-              <a:buClr>
-                <a:schemeClr val="dk1"/>
-              </a:buClr>
-              <a:buSzPts val="2100"/>
-              <a:buFont typeface="Josefin Sans"/>
-              <a:buNone/>
-              <a:defRPr sz="2800" b="1">
-                <a:solidFill>
-                  <a:schemeClr val="dk1"/>
-                </a:solidFill>
-                <a:latin typeface="Josefin Sans"/>
-                <a:ea typeface="Josefin Sans"/>
-                <a:cs typeface="Josefin Sans"/>
-                <a:sym typeface="Josefin Sans"/>
-              </a:defRPr>
-            </a:lvl5pPr>
-            <a:lvl6pPr lvl="5" algn="ctr" rtl="0">
-              <a:spcBef>
-                <a:spcPts val="2135"/>
-              </a:spcBef>
-              <a:spcAft>
-                <a:spcPts val="0"/>
-              </a:spcAft>
-              <a:buClr>
-                <a:schemeClr val="dk1"/>
-              </a:buClr>
-              <a:buSzPts val="2100"/>
-              <a:buFont typeface="Josefin Sans"/>
-              <a:buNone/>
-              <a:defRPr sz="2800" b="1">
-                <a:solidFill>
-                  <a:schemeClr val="dk1"/>
-                </a:solidFill>
-                <a:latin typeface="Josefin Sans"/>
-                <a:ea typeface="Josefin Sans"/>
-                <a:cs typeface="Josefin Sans"/>
-                <a:sym typeface="Josefin Sans"/>
-              </a:defRPr>
-            </a:lvl6pPr>
-            <a:lvl7pPr lvl="6" algn="ctr" rtl="0">
-              <a:spcBef>
-                <a:spcPts val="2135"/>
-              </a:spcBef>
-              <a:spcAft>
-                <a:spcPts val="0"/>
-              </a:spcAft>
-              <a:buClr>
-                <a:schemeClr val="dk1"/>
-              </a:buClr>
-              <a:buSzPts val="2100"/>
-              <a:buFont typeface="Josefin Sans"/>
-              <a:buNone/>
-              <a:defRPr sz="2800" b="1">
-                <a:solidFill>
-                  <a:schemeClr val="dk1"/>
-                </a:solidFill>
-                <a:latin typeface="Josefin Sans"/>
-                <a:ea typeface="Josefin Sans"/>
-                <a:cs typeface="Josefin Sans"/>
-                <a:sym typeface="Josefin Sans"/>
-              </a:defRPr>
-            </a:lvl7pPr>
-            <a:lvl8pPr lvl="7" algn="ctr" rtl="0">
-              <a:spcBef>
-                <a:spcPts val="2135"/>
-              </a:spcBef>
-              <a:spcAft>
-                <a:spcPts val="0"/>
-              </a:spcAft>
-              <a:buClr>
-                <a:schemeClr val="dk1"/>
-              </a:buClr>
-              <a:buSzPts val="2100"/>
-              <a:buFont typeface="Josefin Sans"/>
-              <a:buNone/>
-              <a:defRPr sz="2800" b="1">
-                <a:solidFill>
-                  <a:schemeClr val="dk1"/>
-                </a:solidFill>
-                <a:latin typeface="Josefin Sans"/>
-                <a:ea typeface="Josefin Sans"/>
-                <a:cs typeface="Josefin Sans"/>
-                <a:sym typeface="Josefin Sans"/>
-              </a:defRPr>
-            </a:lvl8pPr>
-            <a:lvl9pPr lvl="8" algn="ctr" rtl="0">
-              <a:spcBef>
-                <a:spcPts val="2135"/>
-              </a:spcBef>
-              <a:spcAft>
-                <a:spcPts val="2135"/>
-              </a:spcAft>
-              <a:buClr>
-                <a:schemeClr val="dk1"/>
-              </a:buClr>
-              <a:buSzPts val="2100"/>
-              <a:buFont typeface="Josefin Sans"/>
-              <a:buNone/>
-              <a:defRPr sz="2800" b="1">
-                <a:solidFill>
-                  <a:schemeClr val="dk1"/>
-                </a:solidFill>
-                <a:latin typeface="Josefin Sans"/>
-                <a:ea typeface="Josefin Sans"/>
-                <a:cs typeface="Josefin Sans"/>
-                <a:sym typeface="Josefin Sans"/>
-              </a:defRPr>
-            </a:lvl9pPr>
-          </a:lstStyle>
-          <a:p>
-            <a:endParaRPr/>
-          </a:p>
-        </p:txBody>
-      </p:sp>
-      <p:sp>
-        <p:nvSpPr>
-          <p:cNvPr id="171" name="Google Shape;171;p13"/>
-          <p:cNvSpPr txBox="1">
-            <a:spLocks noGrp="1"/>
-          </p:cNvSpPr>
-          <p:nvPr>
-            <p:ph type="subTitle" idx="4"/>
-          </p:nvPr>
-        </p:nvSpPr>
-        <p:spPr>
-          <a:xfrm>
-            <a:off x="2048251" y="2917451"/>
-            <a:ext cx="3314800" cy="824800"/>
-          </a:xfrm>
-          <a:prstGeom prst="rect">
-            <a:avLst/>
-          </a:prstGeom>
-        </p:spPr>
-        <p:txBody>
-          <a:bodyPr spcFirstLastPara="1" wrap="square" lIns="91425" tIns="91425" rIns="91425" bIns="91425" anchor="t" anchorCtr="0">
-            <a:noAutofit/>
-          </a:bodyPr>
-          <a:lstStyle>
-            <a:lvl1pPr lvl="0" algn="ctr" rtl="0">
-              <a:lnSpc>
-                <a:spcPct val="100000"/>
-              </a:lnSpc>
-              <a:spcBef>
-                <a:spcPts val="0"/>
-              </a:spcBef>
-              <a:spcAft>
-                <a:spcPts val="0"/>
-              </a:spcAft>
-              <a:buSzPts val="1400"/>
-              <a:buNone/>
-              <a:defRPr sz="1865"/>
-            </a:lvl1pPr>
-            <a:lvl2pPr lvl="1" algn="ctr" rtl="0">
-              <a:spcBef>
-                <a:spcPts val="0"/>
-              </a:spcBef>
-              <a:spcAft>
-                <a:spcPts val="0"/>
-              </a:spcAft>
-              <a:buSzPts val="1400"/>
-              <a:buNone/>
-              <a:defRPr/>
-            </a:lvl2pPr>
-            <a:lvl3pPr lvl="2" algn="ctr" rtl="0">
-              <a:spcBef>
-                <a:spcPts val="2135"/>
-              </a:spcBef>
-              <a:spcAft>
-                <a:spcPts val="0"/>
-              </a:spcAft>
-              <a:buSzPts val="1400"/>
-              <a:buNone/>
-              <a:defRPr/>
-            </a:lvl3pPr>
-            <a:lvl4pPr lvl="3" algn="ctr" rtl="0">
-              <a:spcBef>
-                <a:spcPts val="2135"/>
-              </a:spcBef>
-              <a:spcAft>
-                <a:spcPts val="0"/>
-              </a:spcAft>
-              <a:buSzPts val="1400"/>
-              <a:buNone/>
-              <a:defRPr/>
-            </a:lvl4pPr>
-            <a:lvl5pPr lvl="4" algn="ctr" rtl="0">
-              <a:spcBef>
-                <a:spcPts val="2135"/>
-              </a:spcBef>
-              <a:spcAft>
-                <a:spcPts val="0"/>
-              </a:spcAft>
-              <a:buSzPts val="1400"/>
-              <a:buNone/>
-              <a:defRPr/>
-            </a:lvl5pPr>
-            <a:lvl6pPr lvl="5" algn="ctr" rtl="0">
-              <a:spcBef>
-                <a:spcPts val="2135"/>
-              </a:spcBef>
-              <a:spcAft>
-                <a:spcPts val="0"/>
-              </a:spcAft>
-              <a:buSzPts val="1400"/>
-              <a:buNone/>
-              <a:defRPr/>
-            </a:lvl6pPr>
-            <a:lvl7pPr lvl="6" algn="ctr" rtl="0">
-              <a:spcBef>
-                <a:spcPts val="2135"/>
-              </a:spcBef>
-              <a:spcAft>
-                <a:spcPts val="0"/>
-              </a:spcAft>
-              <a:buSzPts val="1400"/>
-              <a:buNone/>
-              <a:defRPr/>
-            </a:lvl7pPr>
-            <a:lvl8pPr lvl="7" algn="ctr" rtl="0">
-              <a:spcBef>
-                <a:spcPts val="2135"/>
-              </a:spcBef>
-              <a:spcAft>
-                <a:spcPts val="0"/>
-              </a:spcAft>
-              <a:buSzPts val="1400"/>
-              <a:buNone/>
-              <a:defRPr/>
-            </a:lvl8pPr>
-            <a:lvl9pPr lvl="8" algn="ctr" rtl="0">
-              <a:spcBef>
-                <a:spcPts val="2135"/>
-              </a:spcBef>
-              <a:spcAft>
-                <a:spcPts val="2135"/>
-              </a:spcAft>
-              <a:buSzPts val="1400"/>
-              <a:buNone/>
-              <a:defRPr/>
-            </a:lvl9pPr>
-          </a:lstStyle>
-          <a:p>
-            <a:endParaRPr/>
-          </a:p>
-        </p:txBody>
-      </p:sp>
-      <p:sp>
-        <p:nvSpPr>
-          <p:cNvPr id="172" name="Google Shape;172;p13"/>
-          <p:cNvSpPr txBox="1">
-            <a:spLocks noGrp="1"/>
-          </p:cNvSpPr>
-          <p:nvPr>
-            <p:ph type="subTitle" idx="5"/>
-          </p:nvPr>
-        </p:nvSpPr>
-        <p:spPr>
-          <a:xfrm>
-            <a:off x="5839467" y="5027800"/>
-            <a:ext cx="5106800" cy="476000"/>
-          </a:xfrm>
-          <a:prstGeom prst="rect">
-            <a:avLst/>
-          </a:prstGeom>
-        </p:spPr>
-        <p:txBody>
-          <a:bodyPr spcFirstLastPara="1" wrap="square" lIns="91425" tIns="91425" rIns="91425" bIns="91425" anchor="ctr" anchorCtr="0">
-            <a:noAutofit/>
-          </a:bodyPr>
-          <a:lstStyle>
-            <a:lvl1pPr lvl="0" algn="ctr" rtl="0">
-              <a:lnSpc>
-                <a:spcPct val="100000"/>
-              </a:lnSpc>
-              <a:spcBef>
-                <a:spcPts val="0"/>
-              </a:spcBef>
-              <a:spcAft>
-                <a:spcPts val="0"/>
-              </a:spcAft>
-              <a:buClr>
-                <a:schemeClr val="dk1"/>
-              </a:buClr>
-              <a:buSzPts val="2100"/>
-              <a:buFont typeface="Josefin Sans"/>
-              <a:buNone/>
-              <a:defRPr sz="3600" b="1">
-                <a:solidFill>
-                  <a:schemeClr val="dk1"/>
-                </a:solidFill>
-                <a:latin typeface="Josefin Sans"/>
-                <a:ea typeface="Josefin Sans"/>
-                <a:cs typeface="Josefin Sans"/>
-                <a:sym typeface="Josefin Sans"/>
-              </a:defRPr>
-            </a:lvl1pPr>
-            <a:lvl2pPr lvl="1" algn="ctr" rtl="0">
-              <a:spcBef>
-                <a:spcPts val="0"/>
-              </a:spcBef>
-              <a:spcAft>
-                <a:spcPts val="0"/>
-              </a:spcAft>
-              <a:buClr>
-                <a:schemeClr val="dk1"/>
-              </a:buClr>
-              <a:buSzPts val="2100"/>
-              <a:buFont typeface="Josefin Sans"/>
-              <a:buNone/>
-              <a:defRPr sz="2800" b="1">
-                <a:solidFill>
-                  <a:schemeClr val="dk1"/>
-                </a:solidFill>
-                <a:latin typeface="Josefin Sans"/>
-                <a:ea typeface="Josefin Sans"/>
-                <a:cs typeface="Josefin Sans"/>
-                <a:sym typeface="Josefin Sans"/>
-              </a:defRPr>
-            </a:lvl2pPr>
-            <a:lvl3pPr lvl="2" algn="ctr" rtl="0">
-              <a:spcBef>
-                <a:spcPts val="2135"/>
-              </a:spcBef>
-              <a:spcAft>
-                <a:spcPts val="0"/>
-              </a:spcAft>
-              <a:buClr>
-                <a:schemeClr val="dk1"/>
-              </a:buClr>
-              <a:buSzPts val="2100"/>
-              <a:buFont typeface="Josefin Sans"/>
-              <a:buNone/>
-              <a:defRPr sz="2800" b="1">
-                <a:solidFill>
-                  <a:schemeClr val="dk1"/>
-                </a:solidFill>
-                <a:latin typeface="Josefin Sans"/>
-                <a:ea typeface="Josefin Sans"/>
-                <a:cs typeface="Josefin Sans"/>
-                <a:sym typeface="Josefin Sans"/>
-              </a:defRPr>
-            </a:lvl3pPr>
-            <a:lvl4pPr lvl="3" algn="ctr" rtl="0">
-              <a:spcBef>
-                <a:spcPts val="2135"/>
-              </a:spcBef>
-              <a:spcAft>
-                <a:spcPts val="0"/>
-              </a:spcAft>
-              <a:buClr>
-                <a:schemeClr val="dk1"/>
-              </a:buClr>
-              <a:buSzPts val="2100"/>
-              <a:buFont typeface="Josefin Sans"/>
-              <a:buNone/>
-              <a:defRPr sz="2800" b="1">
-                <a:solidFill>
-                  <a:schemeClr val="dk1"/>
-                </a:solidFill>
-                <a:latin typeface="Josefin Sans"/>
-                <a:ea typeface="Josefin Sans"/>
-                <a:cs typeface="Josefin Sans"/>
-                <a:sym typeface="Josefin Sans"/>
-              </a:defRPr>
-            </a:lvl4pPr>
-            <a:lvl5pPr lvl="4" algn="ctr" rtl="0">
-              <a:spcBef>
-                <a:spcPts val="2135"/>
-              </a:spcBef>
-              <a:spcAft>
-                <a:spcPts val="0"/>
-              </a:spcAft>
-              <a:buClr>
-                <a:schemeClr val="dk1"/>
-              </a:buClr>
-              <a:buSzPts val="2100"/>
-              <a:buFont typeface="Josefin Sans"/>
-              <a:buNone/>
-              <a:defRPr sz="2800" b="1">
-                <a:solidFill>
-                  <a:schemeClr val="dk1"/>
-                </a:solidFill>
-                <a:latin typeface="Josefin Sans"/>
-                <a:ea typeface="Josefin Sans"/>
-                <a:cs typeface="Josefin Sans"/>
-                <a:sym typeface="Josefin Sans"/>
-              </a:defRPr>
-            </a:lvl5pPr>
-            <a:lvl6pPr lvl="5" algn="ctr" rtl="0">
-              <a:spcBef>
-                <a:spcPts val="2135"/>
-              </a:spcBef>
-              <a:spcAft>
-                <a:spcPts val="0"/>
-              </a:spcAft>
-              <a:buClr>
-                <a:schemeClr val="dk1"/>
-              </a:buClr>
-              <a:buSzPts val="2100"/>
-              <a:buFont typeface="Josefin Sans"/>
-              <a:buNone/>
-              <a:defRPr sz="2800" b="1">
-                <a:solidFill>
-                  <a:schemeClr val="dk1"/>
-                </a:solidFill>
-                <a:latin typeface="Josefin Sans"/>
-                <a:ea typeface="Josefin Sans"/>
-                <a:cs typeface="Josefin Sans"/>
-                <a:sym typeface="Josefin Sans"/>
-              </a:defRPr>
-            </a:lvl6pPr>
-            <a:lvl7pPr lvl="6" algn="ctr" rtl="0">
-              <a:spcBef>
-                <a:spcPts val="2135"/>
-              </a:spcBef>
-              <a:spcAft>
-                <a:spcPts val="0"/>
-              </a:spcAft>
-              <a:buClr>
-                <a:schemeClr val="dk1"/>
-              </a:buClr>
-              <a:buSzPts val="2100"/>
-              <a:buFont typeface="Josefin Sans"/>
-              <a:buNone/>
-              <a:defRPr sz="2800" b="1">
-                <a:solidFill>
-                  <a:schemeClr val="dk1"/>
-                </a:solidFill>
-                <a:latin typeface="Josefin Sans"/>
-                <a:ea typeface="Josefin Sans"/>
-                <a:cs typeface="Josefin Sans"/>
-                <a:sym typeface="Josefin Sans"/>
-              </a:defRPr>
-            </a:lvl7pPr>
-            <a:lvl8pPr lvl="7" algn="ctr" rtl="0">
-              <a:spcBef>
-                <a:spcPts val="2135"/>
-              </a:spcBef>
-              <a:spcAft>
-                <a:spcPts val="0"/>
-              </a:spcAft>
-              <a:buClr>
-                <a:schemeClr val="dk1"/>
-              </a:buClr>
-              <a:buSzPts val="2100"/>
-              <a:buFont typeface="Josefin Sans"/>
-              <a:buNone/>
-              <a:defRPr sz="2800" b="1">
-                <a:solidFill>
-                  <a:schemeClr val="dk1"/>
-                </a:solidFill>
-                <a:latin typeface="Josefin Sans"/>
-                <a:ea typeface="Josefin Sans"/>
-                <a:cs typeface="Josefin Sans"/>
-                <a:sym typeface="Josefin Sans"/>
-              </a:defRPr>
-            </a:lvl8pPr>
-            <a:lvl9pPr lvl="8" algn="ctr" rtl="0">
-              <a:spcBef>
-                <a:spcPts val="2135"/>
-              </a:spcBef>
-              <a:spcAft>
-                <a:spcPts val="2135"/>
-              </a:spcAft>
-              <a:buClr>
-                <a:schemeClr val="dk1"/>
-              </a:buClr>
-              <a:buSzPts val="2100"/>
-              <a:buFont typeface="Josefin Sans"/>
-              <a:buNone/>
-              <a:defRPr sz="2800" b="1">
-                <a:solidFill>
-                  <a:schemeClr val="dk1"/>
-                </a:solidFill>
-                <a:latin typeface="Josefin Sans"/>
-                <a:ea typeface="Josefin Sans"/>
-                <a:cs typeface="Josefin Sans"/>
-                <a:sym typeface="Josefin Sans"/>
-              </a:defRPr>
-            </a:lvl9pPr>
-          </a:lstStyle>
-          <a:p>
-            <a:endParaRPr/>
-          </a:p>
-        </p:txBody>
-      </p:sp>
-      <p:sp>
-        <p:nvSpPr>
-          <p:cNvPr id="173" name="Google Shape;173;p13"/>
-          <p:cNvSpPr txBox="1">
-            <a:spLocks noGrp="1"/>
-          </p:cNvSpPr>
-          <p:nvPr>
-            <p:ph type="subTitle" idx="6"/>
-          </p:nvPr>
-        </p:nvSpPr>
-        <p:spPr>
-          <a:xfrm>
-            <a:off x="6735451" y="5453300"/>
-            <a:ext cx="3314800" cy="824800"/>
-          </a:xfrm>
-          <a:prstGeom prst="rect">
-            <a:avLst/>
-          </a:prstGeom>
-        </p:spPr>
-        <p:txBody>
-          <a:bodyPr spcFirstLastPara="1" wrap="square" lIns="91425" tIns="91425" rIns="91425" bIns="91425" anchor="t" anchorCtr="0">
-            <a:noAutofit/>
-          </a:bodyPr>
-          <a:lstStyle>
-            <a:lvl1pPr lvl="0" algn="ctr" rtl="0">
-              <a:lnSpc>
-                <a:spcPct val="100000"/>
-              </a:lnSpc>
-              <a:spcBef>
-                <a:spcPts val="0"/>
-              </a:spcBef>
-              <a:spcAft>
-                <a:spcPts val="0"/>
-              </a:spcAft>
-              <a:buSzPts val="1400"/>
-              <a:buNone/>
-              <a:defRPr sz="1865"/>
-            </a:lvl1pPr>
-            <a:lvl2pPr lvl="1" algn="ctr" rtl="0">
-              <a:spcBef>
-                <a:spcPts val="0"/>
-              </a:spcBef>
-              <a:spcAft>
-                <a:spcPts val="0"/>
-              </a:spcAft>
-              <a:buSzPts val="1400"/>
-              <a:buNone/>
-              <a:defRPr/>
-            </a:lvl2pPr>
-            <a:lvl3pPr lvl="2" algn="ctr" rtl="0">
-              <a:spcBef>
-                <a:spcPts val="2135"/>
-              </a:spcBef>
-              <a:spcAft>
-                <a:spcPts val="0"/>
-              </a:spcAft>
-              <a:buSzPts val="1400"/>
-              <a:buNone/>
-              <a:defRPr/>
-            </a:lvl3pPr>
-            <a:lvl4pPr lvl="3" algn="ctr" rtl="0">
-              <a:spcBef>
-                <a:spcPts val="2135"/>
-              </a:spcBef>
-              <a:spcAft>
-                <a:spcPts val="0"/>
-              </a:spcAft>
-              <a:buSzPts val="1400"/>
-              <a:buNone/>
-              <a:defRPr/>
-            </a:lvl4pPr>
-            <a:lvl5pPr lvl="4" algn="ctr" rtl="0">
-              <a:spcBef>
-                <a:spcPts val="2135"/>
-              </a:spcBef>
-              <a:spcAft>
-                <a:spcPts val="0"/>
-              </a:spcAft>
-              <a:buSzPts val="1400"/>
-              <a:buNone/>
-              <a:defRPr/>
-            </a:lvl5pPr>
-            <a:lvl6pPr lvl="5" algn="ctr" rtl="0">
-              <a:spcBef>
-                <a:spcPts val="2135"/>
-              </a:spcBef>
-              <a:spcAft>
-                <a:spcPts val="0"/>
-              </a:spcAft>
-              <a:buSzPts val="1400"/>
-              <a:buNone/>
-              <a:defRPr/>
-            </a:lvl6pPr>
-            <a:lvl7pPr lvl="6" algn="ctr" rtl="0">
-              <a:spcBef>
-                <a:spcPts val="2135"/>
-              </a:spcBef>
-              <a:spcAft>
-                <a:spcPts val="0"/>
-              </a:spcAft>
-              <a:buSzPts val="1400"/>
-              <a:buNone/>
-              <a:defRPr/>
-            </a:lvl7pPr>
-            <a:lvl8pPr lvl="7" algn="ctr" rtl="0">
-              <a:spcBef>
-                <a:spcPts val="2135"/>
-              </a:spcBef>
-              <a:spcAft>
-                <a:spcPts val="0"/>
-              </a:spcAft>
-              <a:buSzPts val="1400"/>
-              <a:buNone/>
-              <a:defRPr/>
-            </a:lvl8pPr>
-            <a:lvl9pPr lvl="8" algn="ctr" rtl="0">
-              <a:spcBef>
-                <a:spcPts val="2135"/>
-              </a:spcBef>
-              <a:spcAft>
-                <a:spcPts val="2135"/>
-              </a:spcAft>
-              <a:buSzPts val="1400"/>
-              <a:buNone/>
-              <a:defRPr/>
-            </a:lvl9pPr>
-          </a:lstStyle>
-          <a:p>
-            <a:endParaRPr/>
-          </a:p>
-        </p:txBody>
-      </p:sp>
-      <p:sp>
-        <p:nvSpPr>
-          <p:cNvPr id="174" name="Google Shape;174;p13"/>
-          <p:cNvSpPr txBox="1">
-            <a:spLocks noGrp="1"/>
-          </p:cNvSpPr>
-          <p:nvPr>
-            <p:ph type="subTitle" idx="7"/>
-          </p:nvPr>
-        </p:nvSpPr>
-        <p:spPr>
-          <a:xfrm>
-            <a:off x="1245651" y="5027800"/>
-            <a:ext cx="4920000" cy="476000"/>
-          </a:xfrm>
-          <a:prstGeom prst="rect">
-            <a:avLst/>
-          </a:prstGeom>
-        </p:spPr>
-        <p:txBody>
-          <a:bodyPr spcFirstLastPara="1" wrap="square" lIns="91425" tIns="91425" rIns="91425" bIns="91425" anchor="ctr" anchorCtr="0">
-            <a:noAutofit/>
-          </a:bodyPr>
-          <a:lstStyle>
-            <a:lvl1pPr lvl="0" algn="ctr" rtl="0">
-              <a:lnSpc>
-                <a:spcPct val="100000"/>
-              </a:lnSpc>
-              <a:spcBef>
-                <a:spcPts val="0"/>
-              </a:spcBef>
-              <a:spcAft>
-                <a:spcPts val="0"/>
-              </a:spcAft>
-              <a:buClr>
-                <a:schemeClr val="dk1"/>
-              </a:buClr>
-              <a:buSzPts val="2100"/>
-              <a:buFont typeface="Josefin Sans"/>
-              <a:buNone/>
-              <a:defRPr sz="3600" b="1">
-                <a:solidFill>
-                  <a:schemeClr val="dk1"/>
-                </a:solidFill>
-                <a:latin typeface="Josefin Sans"/>
-                <a:ea typeface="Josefin Sans"/>
-                <a:cs typeface="Josefin Sans"/>
-                <a:sym typeface="Josefin Sans"/>
-              </a:defRPr>
-            </a:lvl1pPr>
-            <a:lvl2pPr lvl="1" algn="ctr" rtl="0">
-              <a:spcBef>
-                <a:spcPts val="0"/>
-              </a:spcBef>
-              <a:spcAft>
-                <a:spcPts val="0"/>
-              </a:spcAft>
-              <a:buClr>
-                <a:schemeClr val="dk1"/>
-              </a:buClr>
-              <a:buSzPts val="2100"/>
-              <a:buFont typeface="Josefin Sans"/>
-              <a:buNone/>
-              <a:defRPr sz="2800" b="1">
-                <a:solidFill>
-                  <a:schemeClr val="dk1"/>
-                </a:solidFill>
-                <a:latin typeface="Josefin Sans"/>
-                <a:ea typeface="Josefin Sans"/>
-                <a:cs typeface="Josefin Sans"/>
-                <a:sym typeface="Josefin Sans"/>
-              </a:defRPr>
-            </a:lvl2pPr>
-            <a:lvl3pPr lvl="2" algn="ctr" rtl="0">
-              <a:spcBef>
-                <a:spcPts val="2135"/>
-              </a:spcBef>
-              <a:spcAft>
-                <a:spcPts val="0"/>
-              </a:spcAft>
-              <a:buClr>
-                <a:schemeClr val="dk1"/>
-              </a:buClr>
-              <a:buSzPts val="2100"/>
-              <a:buFont typeface="Josefin Sans"/>
-              <a:buNone/>
-              <a:defRPr sz="2800" b="1">
-                <a:solidFill>
-                  <a:schemeClr val="dk1"/>
-                </a:solidFill>
-                <a:latin typeface="Josefin Sans"/>
-                <a:ea typeface="Josefin Sans"/>
-                <a:cs typeface="Josefin Sans"/>
-                <a:sym typeface="Josefin Sans"/>
-              </a:defRPr>
-            </a:lvl3pPr>
-            <a:lvl4pPr lvl="3" algn="ctr" rtl="0">
-              <a:spcBef>
-                <a:spcPts val="2135"/>
-              </a:spcBef>
-              <a:spcAft>
-                <a:spcPts val="0"/>
-              </a:spcAft>
-              <a:buClr>
-                <a:schemeClr val="dk1"/>
-              </a:buClr>
-              <a:buSzPts val="2100"/>
-              <a:buFont typeface="Josefin Sans"/>
-              <a:buNone/>
-              <a:defRPr sz="2800" b="1">
-                <a:solidFill>
-                  <a:schemeClr val="dk1"/>
-                </a:solidFill>
-                <a:latin typeface="Josefin Sans"/>
-                <a:ea typeface="Josefin Sans"/>
-                <a:cs typeface="Josefin Sans"/>
-                <a:sym typeface="Josefin Sans"/>
-              </a:defRPr>
-            </a:lvl4pPr>
-            <a:lvl5pPr lvl="4" algn="ctr" rtl="0">
-              <a:spcBef>
-                <a:spcPts val="2135"/>
-              </a:spcBef>
-              <a:spcAft>
-                <a:spcPts val="0"/>
-              </a:spcAft>
-              <a:buClr>
-                <a:schemeClr val="dk1"/>
-              </a:buClr>
-              <a:buSzPts val="2100"/>
-              <a:buFont typeface="Josefin Sans"/>
-              <a:buNone/>
-              <a:defRPr sz="2800" b="1">
-                <a:solidFill>
-                  <a:schemeClr val="dk1"/>
-                </a:solidFill>
-                <a:latin typeface="Josefin Sans"/>
-                <a:ea typeface="Josefin Sans"/>
-                <a:cs typeface="Josefin Sans"/>
-                <a:sym typeface="Josefin Sans"/>
-              </a:defRPr>
-            </a:lvl5pPr>
-            <a:lvl6pPr lvl="5" algn="ctr" rtl="0">
-              <a:spcBef>
-                <a:spcPts val="2135"/>
-              </a:spcBef>
-              <a:spcAft>
-                <a:spcPts val="0"/>
-              </a:spcAft>
-              <a:buClr>
-                <a:schemeClr val="dk1"/>
-              </a:buClr>
-              <a:buSzPts val="2100"/>
-              <a:buFont typeface="Josefin Sans"/>
-              <a:buNone/>
-              <a:defRPr sz="2800" b="1">
-                <a:solidFill>
-                  <a:schemeClr val="dk1"/>
-                </a:solidFill>
-                <a:latin typeface="Josefin Sans"/>
-                <a:ea typeface="Josefin Sans"/>
-                <a:cs typeface="Josefin Sans"/>
-                <a:sym typeface="Josefin Sans"/>
-              </a:defRPr>
-            </a:lvl6pPr>
-            <a:lvl7pPr lvl="6" algn="ctr" rtl="0">
-              <a:spcBef>
-                <a:spcPts val="2135"/>
-              </a:spcBef>
-              <a:spcAft>
-                <a:spcPts val="0"/>
-              </a:spcAft>
-              <a:buClr>
-                <a:schemeClr val="dk1"/>
-              </a:buClr>
-              <a:buSzPts val="2100"/>
-              <a:buFont typeface="Josefin Sans"/>
-              <a:buNone/>
-              <a:defRPr sz="2800" b="1">
-                <a:solidFill>
-                  <a:schemeClr val="dk1"/>
-                </a:solidFill>
-                <a:latin typeface="Josefin Sans"/>
-                <a:ea typeface="Josefin Sans"/>
-                <a:cs typeface="Josefin Sans"/>
-                <a:sym typeface="Josefin Sans"/>
-              </a:defRPr>
-            </a:lvl7pPr>
-            <a:lvl8pPr lvl="7" algn="ctr" rtl="0">
-              <a:spcBef>
-                <a:spcPts val="2135"/>
-              </a:spcBef>
-              <a:spcAft>
-                <a:spcPts val="0"/>
-              </a:spcAft>
-              <a:buClr>
-                <a:schemeClr val="dk1"/>
-              </a:buClr>
-              <a:buSzPts val="2100"/>
-              <a:buFont typeface="Josefin Sans"/>
-              <a:buNone/>
-              <a:defRPr sz="2800" b="1">
-                <a:solidFill>
-                  <a:schemeClr val="dk1"/>
-                </a:solidFill>
-                <a:latin typeface="Josefin Sans"/>
-                <a:ea typeface="Josefin Sans"/>
-                <a:cs typeface="Josefin Sans"/>
-                <a:sym typeface="Josefin Sans"/>
-              </a:defRPr>
-            </a:lvl8pPr>
-            <a:lvl9pPr lvl="8" algn="ctr" rtl="0">
-              <a:spcBef>
-                <a:spcPts val="2135"/>
-              </a:spcBef>
-              <a:spcAft>
-                <a:spcPts val="2135"/>
-              </a:spcAft>
-              <a:buClr>
-                <a:schemeClr val="dk1"/>
-              </a:buClr>
-              <a:buSzPts val="2100"/>
-              <a:buFont typeface="Josefin Sans"/>
-              <a:buNone/>
-              <a:defRPr sz="2800" b="1">
-                <a:solidFill>
-                  <a:schemeClr val="dk1"/>
-                </a:solidFill>
-                <a:latin typeface="Josefin Sans"/>
-                <a:ea typeface="Josefin Sans"/>
-                <a:cs typeface="Josefin Sans"/>
-                <a:sym typeface="Josefin Sans"/>
-              </a:defRPr>
-            </a:lvl9pPr>
-          </a:lstStyle>
-          <a:p>
-            <a:endParaRPr/>
-          </a:p>
-        </p:txBody>
-      </p:sp>
-      <p:sp>
-        <p:nvSpPr>
-          <p:cNvPr id="175" name="Google Shape;175;p13"/>
-          <p:cNvSpPr txBox="1">
-            <a:spLocks noGrp="1"/>
-          </p:cNvSpPr>
-          <p:nvPr>
-            <p:ph type="subTitle" idx="8"/>
-          </p:nvPr>
-        </p:nvSpPr>
-        <p:spPr>
-          <a:xfrm>
-            <a:off x="2048251" y="5453300"/>
-            <a:ext cx="3314800" cy="824800"/>
-          </a:xfrm>
-          <a:prstGeom prst="rect">
-            <a:avLst/>
-          </a:prstGeom>
-        </p:spPr>
-        <p:txBody>
-          <a:bodyPr spcFirstLastPara="1" wrap="square" lIns="91425" tIns="91425" rIns="91425" bIns="91425" anchor="t" anchorCtr="0">
-            <a:noAutofit/>
-          </a:bodyPr>
-          <a:lstStyle>
-            <a:lvl1pPr lvl="0" algn="ctr" rtl="0">
-              <a:lnSpc>
-                <a:spcPct val="100000"/>
-              </a:lnSpc>
-              <a:spcBef>
-                <a:spcPts val="0"/>
-              </a:spcBef>
-              <a:spcAft>
-                <a:spcPts val="0"/>
-              </a:spcAft>
-              <a:buSzPts val="1400"/>
-              <a:buNone/>
-              <a:defRPr sz="1865"/>
-            </a:lvl1pPr>
-            <a:lvl2pPr lvl="1" algn="ctr" rtl="0">
-              <a:spcBef>
-                <a:spcPts val="0"/>
-              </a:spcBef>
-              <a:spcAft>
-                <a:spcPts val="0"/>
-              </a:spcAft>
-              <a:buSzPts val="1400"/>
-              <a:buNone/>
-              <a:defRPr/>
-            </a:lvl2pPr>
-            <a:lvl3pPr lvl="2" algn="ctr" rtl="0">
-              <a:spcBef>
-                <a:spcPts val="2135"/>
-              </a:spcBef>
-              <a:spcAft>
-                <a:spcPts val="0"/>
-              </a:spcAft>
-              <a:buSzPts val="1400"/>
-              <a:buNone/>
-              <a:defRPr/>
-            </a:lvl3pPr>
-            <a:lvl4pPr lvl="3" algn="ctr" rtl="0">
-              <a:spcBef>
-                <a:spcPts val="2135"/>
-              </a:spcBef>
-              <a:spcAft>
-                <a:spcPts val="0"/>
-              </a:spcAft>
-              <a:buSzPts val="1400"/>
-              <a:buNone/>
-              <a:defRPr/>
-            </a:lvl4pPr>
-            <a:lvl5pPr lvl="4" algn="ctr" rtl="0">
-              <a:spcBef>
-                <a:spcPts val="2135"/>
-              </a:spcBef>
-              <a:spcAft>
-                <a:spcPts val="0"/>
-              </a:spcAft>
-              <a:buSzPts val="1400"/>
-              <a:buNone/>
-              <a:defRPr/>
-            </a:lvl5pPr>
-            <a:lvl6pPr lvl="5" algn="ctr" rtl="0">
-              <a:spcBef>
-                <a:spcPts val="2135"/>
-              </a:spcBef>
-              <a:spcAft>
-                <a:spcPts val="0"/>
-              </a:spcAft>
-              <a:buSzPts val="1400"/>
-              <a:buNone/>
-              <a:defRPr/>
-            </a:lvl6pPr>
-            <a:lvl7pPr lvl="6" algn="ctr" rtl="0">
-              <a:spcBef>
-                <a:spcPts val="2135"/>
-              </a:spcBef>
-              <a:spcAft>
-                <a:spcPts val="0"/>
-              </a:spcAft>
-              <a:buSzPts val="1400"/>
-              <a:buNone/>
-              <a:defRPr/>
-            </a:lvl7pPr>
-            <a:lvl8pPr lvl="7" algn="ctr" rtl="0">
-              <a:spcBef>
-                <a:spcPts val="2135"/>
-              </a:spcBef>
-              <a:spcAft>
-                <a:spcPts val="0"/>
-              </a:spcAft>
-              <a:buSzPts val="1400"/>
-              <a:buNone/>
-              <a:defRPr/>
-            </a:lvl8pPr>
-            <a:lvl9pPr lvl="8" algn="ctr" rtl="0">
-              <a:spcBef>
-                <a:spcPts val="2135"/>
-              </a:spcBef>
-              <a:spcAft>
-                <a:spcPts val="2135"/>
-              </a:spcAft>
-              <a:buSzPts val="1400"/>
-              <a:buNone/>
-              <a:defRPr/>
-            </a:lvl9pPr>
-          </a:lstStyle>
-          <a:p>
-            <a:endParaRPr/>
-          </a:p>
-        </p:txBody>
-      </p:sp>
-      <p:sp>
-        <p:nvSpPr>
-          <p:cNvPr id="176" name="Google Shape;176;p13"/>
-          <p:cNvSpPr txBox="1">
-            <a:spLocks noGrp="1"/>
-          </p:cNvSpPr>
-          <p:nvPr>
-            <p:ph type="title" idx="9" hasCustomPrompt="1"/>
-          </p:nvPr>
-        </p:nvSpPr>
-        <p:spPr>
-          <a:xfrm>
-            <a:off x="3012851" y="1561484"/>
-            <a:ext cx="1385600" cy="890000"/>
-          </a:xfrm>
-          <a:prstGeom prst="rect">
-            <a:avLst/>
-          </a:prstGeom>
-        </p:spPr>
-        <p:txBody>
-          <a:bodyPr spcFirstLastPara="1" wrap="square" lIns="91425" tIns="91425" rIns="91425" bIns="91425" anchor="ctr" anchorCtr="0">
-            <a:noAutofit/>
-          </a:bodyPr>
-          <a:lstStyle>
-            <a:lvl1pPr lvl="0" algn="ctr" rtl="0">
-              <a:spcBef>
-                <a:spcPts val="0"/>
-              </a:spcBef>
-              <a:spcAft>
-                <a:spcPts val="0"/>
-              </a:spcAft>
-              <a:buSzPts val="4000"/>
-              <a:buNone/>
-              <a:defRPr sz="6665">
-                <a:solidFill>
-                  <a:schemeClr val="accent2"/>
-                </a:solidFill>
-              </a:defRPr>
-            </a:lvl1pPr>
-            <a:lvl2pPr lvl="1" algn="ctr" rtl="0">
-              <a:spcBef>
-                <a:spcPts val="0"/>
-              </a:spcBef>
-              <a:spcAft>
-                <a:spcPts val="0"/>
-              </a:spcAft>
-              <a:buSzPts val="4000"/>
-              <a:buNone/>
-              <a:defRPr sz="5335"/>
-            </a:lvl2pPr>
-            <a:lvl3pPr lvl="2" algn="ctr" rtl="0">
-              <a:spcBef>
-                <a:spcPts val="0"/>
-              </a:spcBef>
-              <a:spcAft>
-                <a:spcPts val="0"/>
-              </a:spcAft>
-              <a:buSzPts val="4000"/>
-              <a:buNone/>
-              <a:defRPr sz="5335"/>
-            </a:lvl3pPr>
-            <a:lvl4pPr lvl="3" algn="ctr" rtl="0">
-              <a:spcBef>
-                <a:spcPts val="0"/>
-              </a:spcBef>
-              <a:spcAft>
-                <a:spcPts val="0"/>
-              </a:spcAft>
-              <a:buSzPts val="4000"/>
-              <a:buNone/>
-              <a:defRPr sz="5335"/>
-            </a:lvl4pPr>
-            <a:lvl5pPr lvl="4" algn="ctr" rtl="0">
-              <a:spcBef>
-                <a:spcPts val="0"/>
-              </a:spcBef>
-              <a:spcAft>
-                <a:spcPts val="0"/>
-              </a:spcAft>
-              <a:buSzPts val="4000"/>
-              <a:buNone/>
-              <a:defRPr sz="5335"/>
-            </a:lvl5pPr>
-            <a:lvl6pPr lvl="5" algn="ctr" rtl="0">
-              <a:spcBef>
-                <a:spcPts val="0"/>
-              </a:spcBef>
-              <a:spcAft>
-                <a:spcPts val="0"/>
-              </a:spcAft>
-              <a:buSzPts val="4000"/>
-              <a:buNone/>
-              <a:defRPr sz="5335"/>
-            </a:lvl6pPr>
-            <a:lvl7pPr lvl="6" algn="ctr" rtl="0">
-              <a:spcBef>
-                <a:spcPts val="0"/>
-              </a:spcBef>
-              <a:spcAft>
-                <a:spcPts val="0"/>
-              </a:spcAft>
-              <a:buSzPts val="4000"/>
-              <a:buNone/>
-              <a:defRPr sz="5335"/>
-            </a:lvl7pPr>
-            <a:lvl8pPr lvl="7" algn="ctr" rtl="0">
-              <a:spcBef>
-                <a:spcPts val="0"/>
-              </a:spcBef>
-              <a:spcAft>
-                <a:spcPts val="0"/>
-              </a:spcAft>
-              <a:buSzPts val="4000"/>
-              <a:buNone/>
-              <a:defRPr sz="5335"/>
-            </a:lvl8pPr>
-            <a:lvl9pPr lvl="8" algn="ctr" rtl="0">
-              <a:spcBef>
-                <a:spcPts val="0"/>
-              </a:spcBef>
-              <a:spcAft>
-                <a:spcPts val="0"/>
-              </a:spcAft>
-              <a:buSzPts val="4000"/>
-              <a:buNone/>
-              <a:defRPr sz="5335"/>
-            </a:lvl9pPr>
-          </a:lstStyle>
-          <a:p>
-            <a:r>
-              <a:t>xx%</a:t>
-            </a:r>
-          </a:p>
-        </p:txBody>
-      </p:sp>
-      <p:sp>
-        <p:nvSpPr>
-          <p:cNvPr id="177" name="Google Shape;177;p13"/>
-          <p:cNvSpPr txBox="1">
-            <a:spLocks noGrp="1"/>
-          </p:cNvSpPr>
-          <p:nvPr>
-            <p:ph type="title" idx="13" hasCustomPrompt="1"/>
-          </p:nvPr>
-        </p:nvSpPr>
-        <p:spPr>
-          <a:xfrm>
-            <a:off x="7700084" y="1561484"/>
-            <a:ext cx="1385600" cy="890000"/>
-          </a:xfrm>
-          <a:prstGeom prst="rect">
-            <a:avLst/>
-          </a:prstGeom>
-        </p:spPr>
-        <p:txBody>
-          <a:bodyPr spcFirstLastPara="1" wrap="square" lIns="91425" tIns="91425" rIns="91425" bIns="91425" anchor="ctr" anchorCtr="0">
-            <a:noAutofit/>
-          </a:bodyPr>
-          <a:lstStyle>
-            <a:lvl1pPr lvl="0" algn="ctr" rtl="0">
-              <a:spcBef>
-                <a:spcPts val="0"/>
-              </a:spcBef>
-              <a:spcAft>
-                <a:spcPts val="0"/>
-              </a:spcAft>
-              <a:buSzPts val="4000"/>
-              <a:buNone/>
-              <a:defRPr sz="6665">
-                <a:solidFill>
-                  <a:schemeClr val="accent2"/>
-                </a:solidFill>
-              </a:defRPr>
-            </a:lvl1pPr>
-            <a:lvl2pPr lvl="1" algn="ctr" rtl="0">
-              <a:spcBef>
-                <a:spcPts val="0"/>
-              </a:spcBef>
-              <a:spcAft>
-                <a:spcPts val="0"/>
-              </a:spcAft>
-              <a:buSzPts val="4000"/>
-              <a:buNone/>
-              <a:defRPr sz="5335"/>
-            </a:lvl2pPr>
-            <a:lvl3pPr lvl="2" algn="ctr" rtl="0">
-              <a:spcBef>
-                <a:spcPts val="0"/>
-              </a:spcBef>
-              <a:spcAft>
-                <a:spcPts val="0"/>
-              </a:spcAft>
-              <a:buSzPts val="4000"/>
-              <a:buNone/>
-              <a:defRPr sz="5335"/>
-            </a:lvl3pPr>
-            <a:lvl4pPr lvl="3" algn="ctr" rtl="0">
-              <a:spcBef>
-                <a:spcPts val="0"/>
-              </a:spcBef>
-              <a:spcAft>
-                <a:spcPts val="0"/>
-              </a:spcAft>
-              <a:buSzPts val="4000"/>
-              <a:buNone/>
-              <a:defRPr sz="5335"/>
-            </a:lvl4pPr>
-            <a:lvl5pPr lvl="4" algn="ctr" rtl="0">
-              <a:spcBef>
-                <a:spcPts val="0"/>
-              </a:spcBef>
-              <a:spcAft>
-                <a:spcPts val="0"/>
-              </a:spcAft>
-              <a:buSzPts val="4000"/>
-              <a:buNone/>
-              <a:defRPr sz="5335"/>
-            </a:lvl5pPr>
-            <a:lvl6pPr lvl="5" algn="ctr" rtl="0">
-              <a:spcBef>
-                <a:spcPts val="0"/>
-              </a:spcBef>
-              <a:spcAft>
-                <a:spcPts val="0"/>
-              </a:spcAft>
-              <a:buSzPts val="4000"/>
-              <a:buNone/>
-              <a:defRPr sz="5335"/>
-            </a:lvl6pPr>
-            <a:lvl7pPr lvl="6" algn="ctr" rtl="0">
-              <a:spcBef>
-                <a:spcPts val="0"/>
-              </a:spcBef>
-              <a:spcAft>
-                <a:spcPts val="0"/>
-              </a:spcAft>
-              <a:buSzPts val="4000"/>
-              <a:buNone/>
-              <a:defRPr sz="5335"/>
-            </a:lvl7pPr>
-            <a:lvl8pPr lvl="7" algn="ctr" rtl="0">
-              <a:spcBef>
-                <a:spcPts val="0"/>
-              </a:spcBef>
-              <a:spcAft>
-                <a:spcPts val="0"/>
-              </a:spcAft>
-              <a:buSzPts val="4000"/>
-              <a:buNone/>
-              <a:defRPr sz="5335"/>
-            </a:lvl8pPr>
-            <a:lvl9pPr lvl="8" algn="ctr" rtl="0">
-              <a:spcBef>
-                <a:spcPts val="0"/>
-              </a:spcBef>
-              <a:spcAft>
-                <a:spcPts val="0"/>
-              </a:spcAft>
-              <a:buSzPts val="4000"/>
-              <a:buNone/>
-              <a:defRPr sz="5335"/>
-            </a:lvl9pPr>
-          </a:lstStyle>
-          <a:p>
-            <a:r>
-              <a:t>xx%</a:t>
-            </a:r>
-          </a:p>
-        </p:txBody>
-      </p:sp>
-      <p:sp>
-        <p:nvSpPr>
-          <p:cNvPr id="178" name="Google Shape;178;p13"/>
-          <p:cNvSpPr txBox="1">
-            <a:spLocks noGrp="1"/>
-          </p:cNvSpPr>
-          <p:nvPr>
-            <p:ph type="title" idx="14" hasCustomPrompt="1"/>
-          </p:nvPr>
-        </p:nvSpPr>
-        <p:spPr>
-          <a:xfrm>
-            <a:off x="3012851" y="4094833"/>
-            <a:ext cx="1385600" cy="890000"/>
-          </a:xfrm>
-          <a:prstGeom prst="rect">
-            <a:avLst/>
-          </a:prstGeom>
-        </p:spPr>
-        <p:txBody>
-          <a:bodyPr spcFirstLastPara="1" wrap="square" lIns="91425" tIns="91425" rIns="91425" bIns="91425" anchor="ctr" anchorCtr="0">
-            <a:noAutofit/>
-          </a:bodyPr>
-          <a:lstStyle>
-            <a:lvl1pPr lvl="0" algn="ctr" rtl="0">
-              <a:spcBef>
-                <a:spcPts val="0"/>
-              </a:spcBef>
-              <a:spcAft>
-                <a:spcPts val="0"/>
-              </a:spcAft>
-              <a:buSzPts val="4000"/>
-              <a:buNone/>
-              <a:defRPr sz="6665">
-                <a:solidFill>
-                  <a:schemeClr val="accent2"/>
-                </a:solidFill>
-              </a:defRPr>
-            </a:lvl1pPr>
-            <a:lvl2pPr lvl="1" algn="ctr" rtl="0">
-              <a:spcBef>
-                <a:spcPts val="0"/>
-              </a:spcBef>
-              <a:spcAft>
-                <a:spcPts val="0"/>
-              </a:spcAft>
-              <a:buSzPts val="4000"/>
-              <a:buNone/>
-              <a:defRPr sz="5335"/>
-            </a:lvl2pPr>
-            <a:lvl3pPr lvl="2" algn="ctr" rtl="0">
-              <a:spcBef>
-                <a:spcPts val="0"/>
-              </a:spcBef>
-              <a:spcAft>
-                <a:spcPts val="0"/>
-              </a:spcAft>
-              <a:buSzPts val="4000"/>
-              <a:buNone/>
-              <a:defRPr sz="5335"/>
-            </a:lvl3pPr>
-            <a:lvl4pPr lvl="3" algn="ctr" rtl="0">
-              <a:spcBef>
-                <a:spcPts val="0"/>
-              </a:spcBef>
-              <a:spcAft>
-                <a:spcPts val="0"/>
-              </a:spcAft>
-              <a:buSzPts val="4000"/>
-              <a:buNone/>
-              <a:defRPr sz="5335"/>
-            </a:lvl4pPr>
-            <a:lvl5pPr lvl="4" algn="ctr" rtl="0">
-              <a:spcBef>
-                <a:spcPts val="0"/>
-              </a:spcBef>
-              <a:spcAft>
-                <a:spcPts val="0"/>
-              </a:spcAft>
-              <a:buSzPts val="4000"/>
-              <a:buNone/>
-              <a:defRPr sz="5335"/>
-            </a:lvl5pPr>
-            <a:lvl6pPr lvl="5" algn="ctr" rtl="0">
-              <a:spcBef>
-                <a:spcPts val="0"/>
-              </a:spcBef>
-              <a:spcAft>
-                <a:spcPts val="0"/>
-              </a:spcAft>
-              <a:buSzPts val="4000"/>
-              <a:buNone/>
-              <a:defRPr sz="5335"/>
-            </a:lvl6pPr>
-            <a:lvl7pPr lvl="6" algn="ctr" rtl="0">
-              <a:spcBef>
-                <a:spcPts val="0"/>
-              </a:spcBef>
-              <a:spcAft>
-                <a:spcPts val="0"/>
-              </a:spcAft>
-              <a:buSzPts val="4000"/>
-              <a:buNone/>
-              <a:defRPr sz="5335"/>
-            </a:lvl7pPr>
-            <a:lvl8pPr lvl="7" algn="ctr" rtl="0">
-              <a:spcBef>
-                <a:spcPts val="0"/>
-              </a:spcBef>
-              <a:spcAft>
-                <a:spcPts val="0"/>
-              </a:spcAft>
-              <a:buSzPts val="4000"/>
-              <a:buNone/>
-              <a:defRPr sz="5335"/>
-            </a:lvl8pPr>
-            <a:lvl9pPr lvl="8" algn="ctr" rtl="0">
-              <a:spcBef>
-                <a:spcPts val="0"/>
-              </a:spcBef>
-              <a:spcAft>
-                <a:spcPts val="0"/>
-              </a:spcAft>
-              <a:buSzPts val="4000"/>
-              <a:buNone/>
-              <a:defRPr sz="5335"/>
-            </a:lvl9pPr>
-          </a:lstStyle>
-          <a:p>
-            <a:r>
-              <a:t>xx%</a:t>
-            </a:r>
-          </a:p>
-        </p:txBody>
-      </p:sp>
-      <p:sp>
-        <p:nvSpPr>
-          <p:cNvPr id="179" name="Google Shape;179;p13"/>
-          <p:cNvSpPr txBox="1">
-            <a:spLocks noGrp="1"/>
-          </p:cNvSpPr>
-          <p:nvPr>
-            <p:ph type="title" idx="15" hasCustomPrompt="1"/>
-          </p:nvPr>
-        </p:nvSpPr>
-        <p:spPr>
-          <a:xfrm>
-            <a:off x="7700084" y="4094833"/>
-            <a:ext cx="1385600" cy="890000"/>
-          </a:xfrm>
-          <a:prstGeom prst="rect">
-            <a:avLst/>
-          </a:prstGeom>
-        </p:spPr>
-        <p:txBody>
-          <a:bodyPr spcFirstLastPara="1" wrap="square" lIns="91425" tIns="91425" rIns="91425" bIns="91425" anchor="ctr" anchorCtr="0">
-            <a:noAutofit/>
-          </a:bodyPr>
-          <a:lstStyle>
-            <a:lvl1pPr lvl="0" algn="ctr" rtl="0">
-              <a:spcBef>
-                <a:spcPts val="0"/>
-              </a:spcBef>
-              <a:spcAft>
-                <a:spcPts val="0"/>
-              </a:spcAft>
-              <a:buSzPts val="4000"/>
-              <a:buNone/>
-              <a:defRPr sz="6665">
-                <a:solidFill>
-                  <a:schemeClr val="accent2"/>
-                </a:solidFill>
-              </a:defRPr>
-            </a:lvl1pPr>
-            <a:lvl2pPr lvl="1" algn="ctr" rtl="0">
-              <a:spcBef>
-                <a:spcPts val="0"/>
-              </a:spcBef>
-              <a:spcAft>
-                <a:spcPts val="0"/>
-              </a:spcAft>
-              <a:buSzPts val="4000"/>
-              <a:buNone/>
-              <a:defRPr sz="5335"/>
-            </a:lvl2pPr>
-            <a:lvl3pPr lvl="2" algn="ctr" rtl="0">
-              <a:spcBef>
-                <a:spcPts val="0"/>
-              </a:spcBef>
-              <a:spcAft>
-                <a:spcPts val="0"/>
-              </a:spcAft>
-              <a:buSzPts val="4000"/>
-              <a:buNone/>
-              <a:defRPr sz="5335"/>
-            </a:lvl3pPr>
-            <a:lvl4pPr lvl="3" algn="ctr" rtl="0">
-              <a:spcBef>
-                <a:spcPts val="0"/>
-              </a:spcBef>
-              <a:spcAft>
-                <a:spcPts val="0"/>
-              </a:spcAft>
-              <a:buSzPts val="4000"/>
-              <a:buNone/>
-              <a:defRPr sz="5335"/>
-            </a:lvl4pPr>
-            <a:lvl5pPr lvl="4" algn="ctr" rtl="0">
-              <a:spcBef>
-                <a:spcPts val="0"/>
-              </a:spcBef>
-              <a:spcAft>
-                <a:spcPts val="0"/>
-              </a:spcAft>
-              <a:buSzPts val="4000"/>
-              <a:buNone/>
-              <a:defRPr sz="5335"/>
-            </a:lvl5pPr>
-            <a:lvl6pPr lvl="5" algn="ctr" rtl="0">
-              <a:spcBef>
-                <a:spcPts val="0"/>
-              </a:spcBef>
-              <a:spcAft>
-                <a:spcPts val="0"/>
-              </a:spcAft>
-              <a:buSzPts val="4000"/>
-              <a:buNone/>
-              <a:defRPr sz="5335"/>
-            </a:lvl6pPr>
-            <a:lvl7pPr lvl="6" algn="ctr" rtl="0">
-              <a:spcBef>
-                <a:spcPts val="0"/>
-              </a:spcBef>
-              <a:spcAft>
-                <a:spcPts val="0"/>
-              </a:spcAft>
-              <a:buSzPts val="4000"/>
-              <a:buNone/>
-              <a:defRPr sz="5335"/>
-            </a:lvl7pPr>
-            <a:lvl8pPr lvl="7" algn="ctr" rtl="0">
-              <a:spcBef>
-                <a:spcPts val="0"/>
-              </a:spcBef>
-              <a:spcAft>
-                <a:spcPts val="0"/>
-              </a:spcAft>
-              <a:buSzPts val="4000"/>
-              <a:buNone/>
-              <a:defRPr sz="5335"/>
-            </a:lvl8pPr>
-            <a:lvl9pPr lvl="8" algn="ctr" rtl="0">
-              <a:spcBef>
-                <a:spcPts val="0"/>
-              </a:spcBef>
-              <a:spcAft>
-                <a:spcPts val="0"/>
-              </a:spcAft>
-              <a:buSzPts val="4000"/>
-              <a:buNone/>
-              <a:defRPr sz="5335"/>
-            </a:lvl9pPr>
-          </a:lstStyle>
-          <a:p>
-            <a:r>
-              <a:t>xx%</a:t>
-            </a:r>
-          </a:p>
-        </p:txBody>
-      </p:sp>
-      <p:sp>
-        <p:nvSpPr>
-          <p:cNvPr id="180" name="Google Shape;180;p13"/>
-          <p:cNvSpPr/>
-          <p:nvPr/>
-        </p:nvSpPr>
-        <p:spPr>
-          <a:xfrm rot="-5267561">
-            <a:off x="-2889154" y="3283043"/>
-            <a:ext cx="6424955" cy="1041291"/>
-          </a:xfrm>
-          <a:custGeom>
-            <a:avLst/>
-            <a:gdLst/>
-            <a:ahLst/>
-            <a:cxnLst/>
-            <a:rect l="l" t="t" r="r" b="b"/>
-            <a:pathLst>
-              <a:path w="79484" h="14785" extrusionOk="0">
-                <a:moveTo>
-                  <a:pt x="64823" y="0"/>
-                </a:moveTo>
-                <a:cubicBezTo>
-                  <a:pt x="56730" y="0"/>
-                  <a:pt x="48629" y="357"/>
-                  <a:pt x="40537" y="566"/>
-                </a:cubicBezTo>
-                <a:cubicBezTo>
-                  <a:pt x="32882" y="767"/>
-                  <a:pt x="25204" y="856"/>
-                  <a:pt x="17548" y="856"/>
-                </a:cubicBezTo>
-                <a:lnTo>
-                  <a:pt x="6188" y="856"/>
-                </a:lnTo>
-                <a:cubicBezTo>
-                  <a:pt x="5806" y="856"/>
-                  <a:pt x="5327" y="841"/>
-                  <a:pt x="4808" y="841"/>
-                </a:cubicBezTo>
-                <a:cubicBezTo>
-                  <a:pt x="2720" y="841"/>
-                  <a:pt x="0" y="1085"/>
-                  <a:pt x="519" y="3534"/>
-                </a:cubicBezTo>
-                <a:cubicBezTo>
-                  <a:pt x="1166" y="6614"/>
-                  <a:pt x="4269" y="9560"/>
-                  <a:pt x="6746" y="11190"/>
-                </a:cubicBezTo>
-                <a:cubicBezTo>
-                  <a:pt x="10540" y="13712"/>
-                  <a:pt x="15160" y="14738"/>
-                  <a:pt x="19713" y="14783"/>
-                </a:cubicBezTo>
-                <a:cubicBezTo>
-                  <a:pt x="19807" y="14784"/>
-                  <a:pt x="19901" y="14784"/>
-                  <a:pt x="19995" y="14784"/>
-                </a:cubicBezTo>
-                <a:cubicBezTo>
-                  <a:pt x="22334" y="14784"/>
-                  <a:pt x="24671" y="14518"/>
-                  <a:pt x="26967" y="14024"/>
-                </a:cubicBezTo>
-                <a:cubicBezTo>
-                  <a:pt x="29891" y="13377"/>
-                  <a:pt x="32703" y="12350"/>
-                  <a:pt x="35515" y="11324"/>
-                </a:cubicBezTo>
-                <a:cubicBezTo>
-                  <a:pt x="42724" y="8712"/>
-                  <a:pt x="50045" y="6235"/>
-                  <a:pt x="57633" y="5141"/>
-                </a:cubicBezTo>
-                <a:cubicBezTo>
-                  <a:pt x="61727" y="4546"/>
-                  <a:pt x="65864" y="4360"/>
-                  <a:pt x="70011" y="4360"/>
-                </a:cubicBezTo>
-                <a:cubicBezTo>
-                  <a:pt x="73167" y="4360"/>
-                  <a:pt x="76330" y="4468"/>
-                  <a:pt x="79484" y="4583"/>
-                </a:cubicBezTo>
-                <a:cubicBezTo>
-                  <a:pt x="79461" y="3222"/>
-                  <a:pt x="79439" y="1860"/>
-                  <a:pt x="79439" y="499"/>
-                </a:cubicBezTo>
-                <a:cubicBezTo>
-                  <a:pt x="74572" y="130"/>
-                  <a:pt x="69699" y="0"/>
-                  <a:pt x="64823" y="0"/>
-                </a:cubicBezTo>
-                <a:close/>
-              </a:path>
-            </a:pathLst>
-          </a:custGeom>
-          <a:solidFill>
-            <a:schemeClr val="accent3"/>
-          </a:solidFill>
-          <a:ln>
-            <a:noFill/>
-          </a:ln>
-        </p:spPr>
-        <p:txBody>
-          <a:bodyPr spcFirstLastPara="1" wrap="square" lIns="121900" tIns="121900" rIns="121900" bIns="121900" anchor="ctr" anchorCtr="0">
-            <a:noAutofit/>
-          </a:bodyPr>
-          <a:lstStyle/>
-          <a:p>
-            <a:pPr marL="0" lvl="0" indent="0" algn="l" rtl="0">
-              <a:spcBef>
-                <a:spcPts val="0"/>
-              </a:spcBef>
-              <a:spcAft>
-                <a:spcPts val="0"/>
-              </a:spcAft>
-              <a:buNone/>
-            </a:pPr>
-            <a:endParaRPr sz="2400" dirty="0"/>
-          </a:p>
-        </p:txBody>
-      </p:sp>
-      <p:sp>
-        <p:nvSpPr>
-          <p:cNvPr id="181" name="Google Shape;181;p13"/>
-          <p:cNvSpPr/>
-          <p:nvPr/>
-        </p:nvSpPr>
-        <p:spPr>
-          <a:xfrm rot="-5400000">
-            <a:off x="-1272442" y="1671437"/>
-            <a:ext cx="3191505" cy="1288619"/>
-          </a:xfrm>
-          <a:custGeom>
-            <a:avLst/>
-            <a:gdLst/>
-            <a:ahLst/>
-            <a:cxnLst/>
-            <a:rect l="l" t="t" r="r" b="b"/>
-            <a:pathLst>
-              <a:path w="72716" h="43165" extrusionOk="0">
-                <a:moveTo>
-                  <a:pt x="36506" y="1"/>
-                </a:moveTo>
-                <a:cubicBezTo>
-                  <a:pt x="24983" y="1"/>
-                  <a:pt x="13559" y="1174"/>
-                  <a:pt x="0" y="3973"/>
-                </a:cubicBezTo>
-                <a:cubicBezTo>
-                  <a:pt x="982" y="6629"/>
-                  <a:pt x="1205" y="12052"/>
-                  <a:pt x="1853" y="14262"/>
-                </a:cubicBezTo>
-                <a:cubicBezTo>
-                  <a:pt x="3259" y="19194"/>
-                  <a:pt x="12610" y="30220"/>
-                  <a:pt x="23859" y="33077"/>
-                </a:cubicBezTo>
-                <a:cubicBezTo>
-                  <a:pt x="25907" y="33596"/>
-                  <a:pt x="27823" y="33808"/>
-                  <a:pt x="29631" y="33808"/>
-                </a:cubicBezTo>
-                <a:cubicBezTo>
-                  <a:pt x="37728" y="33808"/>
-                  <a:pt x="43662" y="29551"/>
-                  <a:pt x="49622" y="29551"/>
-                </a:cubicBezTo>
-                <a:cubicBezTo>
-                  <a:pt x="50569" y="29551"/>
-                  <a:pt x="51516" y="29659"/>
-                  <a:pt x="52472" y="29907"/>
-                </a:cubicBezTo>
-                <a:cubicBezTo>
-                  <a:pt x="60284" y="31938"/>
-                  <a:pt x="55507" y="42049"/>
-                  <a:pt x="72715" y="43165"/>
-                </a:cubicBezTo>
-                <a:cubicBezTo>
-                  <a:pt x="70483" y="29863"/>
-                  <a:pt x="71086" y="16270"/>
-                  <a:pt x="71689" y="2812"/>
-                </a:cubicBezTo>
-                <a:cubicBezTo>
-                  <a:pt x="58580" y="1069"/>
-                  <a:pt x="47498" y="1"/>
-                  <a:pt x="36506" y="1"/>
-                </a:cubicBezTo>
-                <a:close/>
-              </a:path>
-            </a:pathLst>
-          </a:custGeom>
-          <a:solidFill>
-            <a:schemeClr val="lt2"/>
-          </a:solidFill>
-          <a:ln>
-            <a:noFill/>
-          </a:ln>
-        </p:spPr>
-        <p:txBody>
-          <a:bodyPr spcFirstLastPara="1" wrap="square" lIns="121900" tIns="121900" rIns="121900" bIns="121900" anchor="ctr" anchorCtr="0">
-            <a:noAutofit/>
-          </a:bodyPr>
-          <a:lstStyle/>
-          <a:p>
-            <a:pPr marL="0" lvl="0" indent="0" algn="l" rtl="0">
-              <a:spcBef>
-                <a:spcPts val="0"/>
-              </a:spcBef>
-              <a:spcAft>
-                <a:spcPts val="0"/>
-              </a:spcAft>
-              <a:buNone/>
-            </a:pPr>
-            <a:endParaRPr sz="2400" dirty="0"/>
-          </a:p>
-        </p:txBody>
-      </p:sp>
-      <p:sp>
-        <p:nvSpPr>
-          <p:cNvPr id="182" name="Google Shape;182;p13"/>
-          <p:cNvSpPr/>
-          <p:nvPr/>
-        </p:nvSpPr>
-        <p:spPr>
-          <a:xfrm rot="5400000">
-            <a:off x="-897100" y="559064"/>
-            <a:ext cx="2795864" cy="1318869"/>
-          </a:xfrm>
-          <a:custGeom>
-            <a:avLst/>
-            <a:gdLst/>
-            <a:ahLst/>
-            <a:cxnLst/>
-            <a:rect l="l" t="t" r="r" b="b"/>
-            <a:pathLst>
-              <a:path w="143993" h="61524" extrusionOk="0">
-                <a:moveTo>
-                  <a:pt x="25900" y="1"/>
-                </a:moveTo>
-                <a:cubicBezTo>
-                  <a:pt x="11671" y="1"/>
-                  <a:pt x="1" y="8596"/>
-                  <a:pt x="1" y="8596"/>
-                </a:cubicBezTo>
-                <a:lnTo>
-                  <a:pt x="186" y="61523"/>
-                </a:lnTo>
-                <a:lnTo>
-                  <a:pt x="143993" y="61523"/>
-                </a:lnTo>
-                <a:cubicBezTo>
-                  <a:pt x="138074" y="43327"/>
-                  <a:pt x="128448" y="39288"/>
-                  <a:pt x="117124" y="39288"/>
-                </a:cubicBezTo>
-                <a:cubicBezTo>
-                  <a:pt x="108085" y="39288"/>
-                  <a:pt x="97965" y="41861"/>
-                  <a:pt x="87783" y="41861"/>
-                </a:cubicBezTo>
-                <a:cubicBezTo>
-                  <a:pt x="83897" y="41861"/>
-                  <a:pt x="80003" y="41486"/>
-                  <a:pt x="76156" y="40451"/>
-                </a:cubicBezTo>
-                <a:cubicBezTo>
-                  <a:pt x="58842" y="35830"/>
-                  <a:pt x="64326" y="18763"/>
-                  <a:pt x="43685" y="5269"/>
-                </a:cubicBezTo>
-                <a:cubicBezTo>
-                  <a:pt x="37737" y="1386"/>
-                  <a:pt x="31612" y="1"/>
-                  <a:pt x="25900" y="1"/>
-                </a:cubicBezTo>
-                <a:close/>
-              </a:path>
-            </a:pathLst>
-          </a:custGeom>
-          <a:solidFill>
-            <a:schemeClr val="dk2"/>
-          </a:solidFill>
-          <a:ln>
-            <a:noFill/>
-          </a:ln>
-        </p:spPr>
-        <p:txBody>
-          <a:bodyPr spcFirstLastPara="1" wrap="square" lIns="121900" tIns="121900" rIns="121900" bIns="121900" anchor="ctr" anchorCtr="0">
-            <a:noAutofit/>
-          </a:bodyPr>
-          <a:lstStyle/>
-          <a:p>
-            <a:pPr marL="0" lvl="0" indent="0" algn="l" rtl="0">
-              <a:spcBef>
-                <a:spcPts val="0"/>
-              </a:spcBef>
-              <a:spcAft>
-                <a:spcPts val="0"/>
-              </a:spcAft>
-              <a:buNone/>
-            </a:pPr>
-            <a:endParaRPr sz="2400" dirty="0"/>
-          </a:p>
-        </p:txBody>
-      </p:sp>
-      <p:sp>
-        <p:nvSpPr>
-          <p:cNvPr id="183" name="Google Shape;183;p13"/>
-          <p:cNvSpPr/>
-          <p:nvPr/>
-        </p:nvSpPr>
-        <p:spPr>
-          <a:xfrm rot="5400000">
-            <a:off x="161817" y="4177284"/>
-            <a:ext cx="218000" cy="218000"/>
-          </a:xfrm>
-          <a:prstGeom prst="ellipse">
-            <a:avLst/>
-          </a:prstGeom>
-          <a:solidFill>
-            <a:schemeClr val="dk2"/>
-          </a:solidFill>
-          <a:ln>
-            <a:noFill/>
-          </a:ln>
-        </p:spPr>
-        <p:txBody>
-          <a:bodyPr spcFirstLastPara="1" wrap="square" lIns="121900" tIns="121900" rIns="121900" bIns="121900" anchor="ctr" anchorCtr="0">
-            <a:noAutofit/>
-          </a:bodyPr>
-          <a:lstStyle/>
-          <a:p>
-            <a:pPr marL="0" lvl="0" indent="0" algn="l" rtl="0">
-              <a:spcBef>
-                <a:spcPts val="0"/>
-              </a:spcBef>
-              <a:spcAft>
-                <a:spcPts val="0"/>
-              </a:spcAft>
-              <a:buNone/>
-            </a:pPr>
-            <a:endParaRPr sz="2400" dirty="0"/>
-          </a:p>
-        </p:txBody>
-      </p:sp>
-      <p:sp>
-        <p:nvSpPr>
-          <p:cNvPr id="184" name="Google Shape;184;p13"/>
-          <p:cNvSpPr/>
-          <p:nvPr/>
-        </p:nvSpPr>
-        <p:spPr>
-          <a:xfrm rot="5400000">
-            <a:off x="1325084" y="352951"/>
-            <a:ext cx="131200" cy="131600"/>
-          </a:xfrm>
-          <a:prstGeom prst="ellipse">
-            <a:avLst/>
-          </a:prstGeom>
-          <a:solidFill>
-            <a:schemeClr val="dk2"/>
-          </a:solidFill>
-          <a:ln>
-            <a:noFill/>
-          </a:ln>
-        </p:spPr>
-        <p:txBody>
-          <a:bodyPr spcFirstLastPara="1" wrap="square" lIns="121900" tIns="121900" rIns="121900" bIns="121900" anchor="ctr" anchorCtr="0">
-            <a:noAutofit/>
-          </a:bodyPr>
-          <a:lstStyle/>
-          <a:p>
-            <a:pPr marL="0" lvl="0" indent="0" algn="l" rtl="0">
-              <a:spcBef>
-                <a:spcPts val="0"/>
-              </a:spcBef>
-              <a:spcAft>
-                <a:spcPts val="0"/>
-              </a:spcAft>
-              <a:buNone/>
-            </a:pPr>
-            <a:endParaRPr sz="2400" dirty="0"/>
-          </a:p>
-        </p:txBody>
-      </p:sp>
-      <p:sp>
-        <p:nvSpPr>
-          <p:cNvPr id="185" name="Google Shape;185;p13"/>
-          <p:cNvSpPr/>
-          <p:nvPr/>
-        </p:nvSpPr>
-        <p:spPr>
-          <a:xfrm rot="5400000">
-            <a:off x="720184" y="1720584"/>
-            <a:ext cx="131200" cy="131600"/>
-          </a:xfrm>
-          <a:prstGeom prst="ellipse">
-            <a:avLst/>
-          </a:prstGeom>
-          <a:solidFill>
-            <a:schemeClr val="accent2"/>
-          </a:solidFill>
-          <a:ln>
-            <a:noFill/>
-          </a:ln>
-        </p:spPr>
-        <p:txBody>
-          <a:bodyPr spcFirstLastPara="1" wrap="square" lIns="121900" tIns="121900" rIns="121900" bIns="121900" anchor="ctr" anchorCtr="0">
-            <a:noAutofit/>
-          </a:bodyPr>
-          <a:lstStyle/>
-          <a:p>
-            <a:pPr marL="0" lvl="0" indent="0" algn="l" rtl="0">
-              <a:spcBef>
-                <a:spcPts val="0"/>
-              </a:spcBef>
-              <a:spcAft>
-                <a:spcPts val="0"/>
-              </a:spcAft>
-              <a:buNone/>
-            </a:pPr>
-            <a:endParaRPr sz="2400" dirty="0"/>
-          </a:p>
-        </p:txBody>
-      </p:sp>
-      <p:sp>
-        <p:nvSpPr>
-          <p:cNvPr id="186" name="Google Shape;186;p13"/>
-          <p:cNvSpPr/>
-          <p:nvPr/>
-        </p:nvSpPr>
-        <p:spPr>
-          <a:xfrm rot="5400000">
-            <a:off x="588584" y="3600684"/>
-            <a:ext cx="131200" cy="131600"/>
-          </a:xfrm>
-          <a:prstGeom prst="ellipse">
-            <a:avLst/>
-          </a:prstGeom>
-          <a:solidFill>
-            <a:schemeClr val="accent2"/>
-          </a:solidFill>
-          <a:ln>
-            <a:noFill/>
-          </a:ln>
-        </p:spPr>
-        <p:txBody>
-          <a:bodyPr spcFirstLastPara="1" wrap="square" lIns="121900" tIns="121900" rIns="121900" bIns="121900" anchor="ctr" anchorCtr="0">
-            <a:noAutofit/>
-          </a:bodyPr>
-          <a:lstStyle/>
-          <a:p>
-            <a:pPr marL="0" lvl="0" indent="0" algn="l" rtl="0">
-              <a:spcBef>
-                <a:spcPts val="0"/>
-              </a:spcBef>
-              <a:spcAft>
-                <a:spcPts val="0"/>
-              </a:spcAft>
-              <a:buNone/>
-            </a:pPr>
-            <a:endParaRPr sz="2400" dirty="0"/>
-          </a:p>
-        </p:txBody>
-      </p:sp>
-      <p:sp>
-        <p:nvSpPr>
-          <p:cNvPr id="187" name="Google Shape;187;p13"/>
-          <p:cNvSpPr/>
-          <p:nvPr/>
-        </p:nvSpPr>
-        <p:spPr>
-          <a:xfrm rot="5532439">
-            <a:off x="8798415" y="2530048"/>
-            <a:ext cx="6424955" cy="1041291"/>
-          </a:xfrm>
-          <a:custGeom>
-            <a:avLst/>
-            <a:gdLst/>
-            <a:ahLst/>
-            <a:cxnLst/>
-            <a:rect l="l" t="t" r="r" b="b"/>
-            <a:pathLst>
-              <a:path w="79484" h="14785" extrusionOk="0">
-                <a:moveTo>
-                  <a:pt x="64823" y="0"/>
-                </a:moveTo>
-                <a:cubicBezTo>
-                  <a:pt x="56730" y="0"/>
-                  <a:pt x="48629" y="357"/>
-                  <a:pt x="40537" y="566"/>
-                </a:cubicBezTo>
-                <a:cubicBezTo>
-                  <a:pt x="32882" y="767"/>
-                  <a:pt x="25204" y="856"/>
-                  <a:pt x="17548" y="856"/>
-                </a:cubicBezTo>
-                <a:lnTo>
-                  <a:pt x="6188" y="856"/>
-                </a:lnTo>
-                <a:cubicBezTo>
-                  <a:pt x="5806" y="856"/>
-                  <a:pt x="5327" y="841"/>
-                  <a:pt x="4808" y="841"/>
-                </a:cubicBezTo>
-                <a:cubicBezTo>
-                  <a:pt x="2720" y="841"/>
-                  <a:pt x="0" y="1085"/>
-                  <a:pt x="519" y="3534"/>
-                </a:cubicBezTo>
-                <a:cubicBezTo>
-                  <a:pt x="1166" y="6614"/>
-                  <a:pt x="4269" y="9560"/>
-                  <a:pt x="6746" y="11190"/>
-                </a:cubicBezTo>
-                <a:cubicBezTo>
-                  <a:pt x="10540" y="13712"/>
-                  <a:pt x="15160" y="14738"/>
-                  <a:pt x="19713" y="14783"/>
-                </a:cubicBezTo>
-                <a:cubicBezTo>
-                  <a:pt x="19807" y="14784"/>
-                  <a:pt x="19901" y="14784"/>
-                  <a:pt x="19995" y="14784"/>
-                </a:cubicBezTo>
-                <a:cubicBezTo>
-                  <a:pt x="22334" y="14784"/>
-                  <a:pt x="24671" y="14518"/>
-                  <a:pt x="26967" y="14024"/>
-                </a:cubicBezTo>
-                <a:cubicBezTo>
-                  <a:pt x="29891" y="13377"/>
-                  <a:pt x="32703" y="12350"/>
-                  <a:pt x="35515" y="11324"/>
-                </a:cubicBezTo>
-                <a:cubicBezTo>
-                  <a:pt x="42724" y="8712"/>
-                  <a:pt x="50045" y="6235"/>
-                  <a:pt x="57633" y="5141"/>
-                </a:cubicBezTo>
-                <a:cubicBezTo>
-                  <a:pt x="61727" y="4546"/>
-                  <a:pt x="65864" y="4360"/>
-                  <a:pt x="70011" y="4360"/>
-                </a:cubicBezTo>
-                <a:cubicBezTo>
-                  <a:pt x="73167" y="4360"/>
-                  <a:pt x="76330" y="4468"/>
-                  <a:pt x="79484" y="4583"/>
-                </a:cubicBezTo>
-                <a:cubicBezTo>
-                  <a:pt x="79461" y="3222"/>
-                  <a:pt x="79439" y="1860"/>
-                  <a:pt x="79439" y="499"/>
-                </a:cubicBezTo>
-                <a:cubicBezTo>
-                  <a:pt x="74572" y="130"/>
-                  <a:pt x="69699" y="0"/>
-                  <a:pt x="64823" y="0"/>
-                </a:cubicBezTo>
-                <a:close/>
-              </a:path>
-            </a:pathLst>
-          </a:custGeom>
-          <a:solidFill>
-            <a:schemeClr val="accent3"/>
-          </a:solidFill>
-          <a:ln>
-            <a:noFill/>
-          </a:ln>
-        </p:spPr>
-        <p:txBody>
-          <a:bodyPr spcFirstLastPara="1" wrap="square" lIns="121900" tIns="121900" rIns="121900" bIns="121900" anchor="ctr" anchorCtr="0">
-            <a:noAutofit/>
-          </a:bodyPr>
-          <a:lstStyle/>
-          <a:p>
-            <a:pPr marL="0" lvl="0" indent="0" algn="l" rtl="0">
-              <a:spcBef>
-                <a:spcPts val="0"/>
-              </a:spcBef>
-              <a:spcAft>
-                <a:spcPts val="0"/>
-              </a:spcAft>
-              <a:buNone/>
-            </a:pPr>
-            <a:endParaRPr sz="2400" dirty="0"/>
-          </a:p>
-        </p:txBody>
-      </p:sp>
-      <p:sp>
-        <p:nvSpPr>
-          <p:cNvPr id="188" name="Google Shape;188;p13"/>
-          <p:cNvSpPr/>
-          <p:nvPr/>
-        </p:nvSpPr>
-        <p:spPr>
-          <a:xfrm rot="5400000">
-            <a:off x="10415156" y="3894324"/>
-            <a:ext cx="3191505" cy="1288619"/>
-          </a:xfrm>
-          <a:custGeom>
-            <a:avLst/>
-            <a:gdLst/>
-            <a:ahLst/>
-            <a:cxnLst/>
-            <a:rect l="l" t="t" r="r" b="b"/>
-            <a:pathLst>
-              <a:path w="72716" h="43165" extrusionOk="0">
-                <a:moveTo>
-                  <a:pt x="36506" y="1"/>
-                </a:moveTo>
-                <a:cubicBezTo>
-                  <a:pt x="24983" y="1"/>
-                  <a:pt x="13559" y="1174"/>
-                  <a:pt x="0" y="3973"/>
-                </a:cubicBezTo>
-                <a:cubicBezTo>
-                  <a:pt x="982" y="6629"/>
-                  <a:pt x="1205" y="12052"/>
-                  <a:pt x="1853" y="14262"/>
-                </a:cubicBezTo>
-                <a:cubicBezTo>
-                  <a:pt x="3259" y="19194"/>
-                  <a:pt x="12610" y="30220"/>
-                  <a:pt x="23859" y="33077"/>
-                </a:cubicBezTo>
-                <a:cubicBezTo>
-                  <a:pt x="25907" y="33596"/>
-                  <a:pt x="27823" y="33808"/>
-                  <a:pt x="29631" y="33808"/>
-                </a:cubicBezTo>
-                <a:cubicBezTo>
-                  <a:pt x="37728" y="33808"/>
-                  <a:pt x="43662" y="29551"/>
-                  <a:pt x="49622" y="29551"/>
-                </a:cubicBezTo>
-                <a:cubicBezTo>
-                  <a:pt x="50569" y="29551"/>
-                  <a:pt x="51516" y="29659"/>
-                  <a:pt x="52472" y="29907"/>
-                </a:cubicBezTo>
-                <a:cubicBezTo>
-                  <a:pt x="60284" y="31938"/>
-                  <a:pt x="55507" y="42049"/>
-                  <a:pt x="72715" y="43165"/>
-                </a:cubicBezTo>
-                <a:cubicBezTo>
-                  <a:pt x="70483" y="29863"/>
-                  <a:pt x="71086" y="16270"/>
-                  <a:pt x="71689" y="2812"/>
-                </a:cubicBezTo>
-                <a:cubicBezTo>
-                  <a:pt x="58580" y="1069"/>
-                  <a:pt x="47498" y="1"/>
-                  <a:pt x="36506" y="1"/>
-                </a:cubicBezTo>
-                <a:close/>
-              </a:path>
-            </a:pathLst>
-          </a:custGeom>
-          <a:solidFill>
-            <a:schemeClr val="lt2"/>
-          </a:solidFill>
-          <a:ln>
-            <a:noFill/>
-          </a:ln>
-        </p:spPr>
-        <p:txBody>
-          <a:bodyPr spcFirstLastPara="1" wrap="square" lIns="121900" tIns="121900" rIns="121900" bIns="121900" anchor="ctr" anchorCtr="0">
-            <a:noAutofit/>
-          </a:bodyPr>
-          <a:lstStyle/>
-          <a:p>
-            <a:pPr marL="0" lvl="0" indent="0" algn="l" rtl="0">
-              <a:spcBef>
-                <a:spcPts val="0"/>
-              </a:spcBef>
-              <a:spcAft>
-                <a:spcPts val="0"/>
-              </a:spcAft>
-              <a:buNone/>
-            </a:pPr>
-            <a:endParaRPr sz="2400" dirty="0"/>
-          </a:p>
-        </p:txBody>
-      </p:sp>
-      <p:sp>
-        <p:nvSpPr>
-          <p:cNvPr id="189" name="Google Shape;189;p13"/>
-          <p:cNvSpPr/>
-          <p:nvPr/>
-        </p:nvSpPr>
-        <p:spPr>
-          <a:xfrm rot="-5400000">
-            <a:off x="10435453" y="4976448"/>
-            <a:ext cx="2795864" cy="1318869"/>
-          </a:xfrm>
-          <a:custGeom>
-            <a:avLst/>
-            <a:gdLst/>
-            <a:ahLst/>
-            <a:cxnLst/>
-            <a:rect l="l" t="t" r="r" b="b"/>
-            <a:pathLst>
-              <a:path w="143993" h="61524" extrusionOk="0">
-                <a:moveTo>
-                  <a:pt x="25900" y="1"/>
-                </a:moveTo>
-                <a:cubicBezTo>
-                  <a:pt x="11671" y="1"/>
-                  <a:pt x="1" y="8596"/>
-                  <a:pt x="1" y="8596"/>
-                </a:cubicBezTo>
-                <a:lnTo>
-                  <a:pt x="186" y="61523"/>
-                </a:lnTo>
-                <a:lnTo>
-                  <a:pt x="143993" y="61523"/>
-                </a:lnTo>
-                <a:cubicBezTo>
-                  <a:pt x="138074" y="43327"/>
-                  <a:pt x="128448" y="39288"/>
-                  <a:pt x="117124" y="39288"/>
-                </a:cubicBezTo>
-                <a:cubicBezTo>
-                  <a:pt x="108085" y="39288"/>
-                  <a:pt x="97965" y="41861"/>
-                  <a:pt x="87783" y="41861"/>
-                </a:cubicBezTo>
-                <a:cubicBezTo>
-                  <a:pt x="83897" y="41861"/>
-                  <a:pt x="80003" y="41486"/>
-                  <a:pt x="76156" y="40451"/>
-                </a:cubicBezTo>
-                <a:cubicBezTo>
-                  <a:pt x="58842" y="35830"/>
-                  <a:pt x="64326" y="18763"/>
-                  <a:pt x="43685" y="5269"/>
-                </a:cubicBezTo>
-                <a:cubicBezTo>
-                  <a:pt x="37737" y="1386"/>
-                  <a:pt x="31612" y="1"/>
-                  <a:pt x="25900" y="1"/>
-                </a:cubicBezTo>
-                <a:close/>
-              </a:path>
-            </a:pathLst>
-          </a:custGeom>
-          <a:solidFill>
-            <a:schemeClr val="dk2"/>
-          </a:solidFill>
-          <a:ln>
-            <a:noFill/>
-          </a:ln>
-        </p:spPr>
-        <p:txBody>
-          <a:bodyPr spcFirstLastPara="1" wrap="square" lIns="121900" tIns="121900" rIns="121900" bIns="121900" anchor="ctr" anchorCtr="0">
-            <a:noAutofit/>
-          </a:bodyPr>
-          <a:lstStyle/>
-          <a:p>
-            <a:pPr marL="0" lvl="0" indent="0" algn="l" rtl="0">
-              <a:spcBef>
-                <a:spcPts val="0"/>
-              </a:spcBef>
-              <a:spcAft>
-                <a:spcPts val="0"/>
-              </a:spcAft>
-              <a:buNone/>
-            </a:pPr>
-            <a:endParaRPr sz="2400" dirty="0"/>
-          </a:p>
-        </p:txBody>
-      </p:sp>
-      <p:sp>
-        <p:nvSpPr>
-          <p:cNvPr id="190" name="Google Shape;190;p13"/>
-          <p:cNvSpPr/>
-          <p:nvPr/>
-        </p:nvSpPr>
-        <p:spPr>
-          <a:xfrm rot="-5400000">
-            <a:off x="11954400" y="2459099"/>
-            <a:ext cx="218000" cy="218000"/>
-          </a:xfrm>
-          <a:prstGeom prst="ellipse">
-            <a:avLst/>
-          </a:prstGeom>
-          <a:solidFill>
-            <a:schemeClr val="dk2"/>
-          </a:solidFill>
-          <a:ln>
-            <a:noFill/>
-          </a:ln>
-        </p:spPr>
-        <p:txBody>
-          <a:bodyPr spcFirstLastPara="1" wrap="square" lIns="121900" tIns="121900" rIns="121900" bIns="121900" anchor="ctr" anchorCtr="0">
-            <a:noAutofit/>
-          </a:bodyPr>
-          <a:lstStyle/>
-          <a:p>
-            <a:pPr marL="0" lvl="0" indent="0" algn="l" rtl="0">
-              <a:spcBef>
-                <a:spcPts val="0"/>
-              </a:spcBef>
-              <a:spcAft>
-                <a:spcPts val="0"/>
-              </a:spcAft>
-              <a:buNone/>
-            </a:pPr>
-            <a:endParaRPr sz="2400" dirty="0"/>
-          </a:p>
-        </p:txBody>
-      </p:sp>
-      <p:sp>
-        <p:nvSpPr>
-          <p:cNvPr id="191" name="Google Shape;191;p13"/>
-          <p:cNvSpPr/>
-          <p:nvPr/>
-        </p:nvSpPr>
-        <p:spPr>
-          <a:xfrm rot="-5400000">
-            <a:off x="11482833" y="5002199"/>
-            <a:ext cx="131200" cy="131600"/>
-          </a:xfrm>
-          <a:prstGeom prst="ellipse">
-            <a:avLst/>
-          </a:prstGeom>
-          <a:solidFill>
-            <a:schemeClr val="accent2"/>
-          </a:solidFill>
-          <a:ln>
-            <a:noFill/>
-          </a:ln>
-        </p:spPr>
-        <p:txBody>
-          <a:bodyPr spcFirstLastPara="1" wrap="square" lIns="121900" tIns="121900" rIns="121900" bIns="121900" anchor="ctr" anchorCtr="0">
-            <a:noAutofit/>
-          </a:bodyPr>
-          <a:lstStyle/>
-          <a:p>
-            <a:pPr marL="0" lvl="0" indent="0" algn="l" rtl="0">
-              <a:spcBef>
-                <a:spcPts val="0"/>
-              </a:spcBef>
-              <a:spcAft>
-                <a:spcPts val="0"/>
-              </a:spcAft>
-              <a:buNone/>
-            </a:pPr>
-            <a:endParaRPr sz="2400" dirty="0"/>
-          </a:p>
-        </p:txBody>
-      </p:sp>
-      <p:sp>
-        <p:nvSpPr>
-          <p:cNvPr id="192" name="Google Shape;192;p13"/>
-          <p:cNvSpPr/>
-          <p:nvPr/>
-        </p:nvSpPr>
-        <p:spPr>
-          <a:xfrm rot="-5400000">
-            <a:off x="11614433" y="3122099"/>
-            <a:ext cx="131200" cy="131600"/>
-          </a:xfrm>
-          <a:prstGeom prst="ellipse">
-            <a:avLst/>
-          </a:prstGeom>
-          <a:solidFill>
-            <a:schemeClr val="accent2"/>
-          </a:solidFill>
-          <a:ln>
-            <a:noFill/>
-          </a:ln>
-        </p:spPr>
-        <p:txBody>
-          <a:bodyPr spcFirstLastPara="1" wrap="square" lIns="121900" tIns="121900" rIns="121900" bIns="121900" anchor="ctr" anchorCtr="0">
-            <a:noAutofit/>
-          </a:bodyPr>
-          <a:lstStyle/>
-          <a:p>
-            <a:pPr marL="0" lvl="0" indent="0" algn="l" rtl="0">
-              <a:spcBef>
-                <a:spcPts val="0"/>
-              </a:spcBef>
-              <a:spcAft>
-                <a:spcPts val="0"/>
-              </a:spcAft>
-              <a:buNone/>
-            </a:pPr>
-            <a:endParaRPr sz="2400" dirty="0"/>
-          </a:p>
-        </p:txBody>
-      </p:sp>
-      <p:sp>
-        <p:nvSpPr>
-          <p:cNvPr id="193" name="Google Shape;193;p13"/>
-          <p:cNvSpPr/>
-          <p:nvPr/>
-        </p:nvSpPr>
-        <p:spPr>
-          <a:xfrm rot="-5400000">
-            <a:off x="10877933" y="6369832"/>
-            <a:ext cx="131200" cy="131600"/>
-          </a:xfrm>
-          <a:prstGeom prst="ellipse">
-            <a:avLst/>
-          </a:prstGeom>
-          <a:solidFill>
-            <a:schemeClr val="dk2"/>
-          </a:solidFill>
-          <a:ln>
-            <a:noFill/>
-          </a:ln>
-        </p:spPr>
-        <p:txBody>
-          <a:bodyPr spcFirstLastPara="1" wrap="square" lIns="121900" tIns="121900" rIns="121900" bIns="121900" anchor="ctr" anchorCtr="0">
-            <a:noAutofit/>
-          </a:bodyPr>
-          <a:lstStyle/>
-          <a:p>
-            <a:pPr marL="0" lvl="0" indent="0" algn="l" rtl="0">
-              <a:spcBef>
-                <a:spcPts val="0"/>
-              </a:spcBef>
-              <a:spcAft>
-                <a:spcPts val="0"/>
-              </a:spcAft>
-              <a:buNone/>
-            </a:pPr>
-            <a:endParaRPr sz="2400" dirty="0"/>
-          </a:p>
-        </p:txBody>
-      </p:sp>
-    </p:spTree>
-  </p:cSld>
-  <p:clrMapOvr>
-    <a:masterClrMapping/>
-  </p:clrMapOvr>
-</p:sldLayout>
-</file>
-
-<file path=ppt/slideLayouts/slideLayout15.xml><?xml version="1.0" encoding="utf-8"?>
 <p:sldLayout xmlns:a="http://schemas.openxmlformats.org/drawingml/2006/main" xmlns:r="http://schemas.openxmlformats.org/officeDocument/2006/relationships" xmlns:p="http://schemas.openxmlformats.org/presentationml/2006/main" matchingName="Section title and description 1">
   <p:cSld name="Section title and description 1">
     <p:spTree>
@@ -8514,7 +5361,7 @@
 </p:sldLayout>
 </file>
 
-<file path=ppt/slideLayouts/slideLayout16.xml><?xml version="1.0" encoding="utf-8"?>
+<file path=ppt/slideLayouts/slideLayout15.xml><?xml version="1.0" encoding="utf-8"?>
 <p:sldLayout xmlns:a="http://schemas.openxmlformats.org/drawingml/2006/main" xmlns:r="http://schemas.openxmlformats.org/officeDocument/2006/relationships" xmlns:p="http://schemas.openxmlformats.org/presentationml/2006/main" matchingName="Main point">
   <p:cSld name="Main point">
     <p:spTree>
@@ -9865,7 +6712,7 @@
           <a:p>
             <a:fld id="{96A54FD2-9807-47AE-B332-82BE46C02019}" type="datetimeFigureOut">
               <a:rPr lang="bg-BG" smtClean="0"/>
-              <a:t>20.7.2023 г.</a:t>
+              <a:t>21.7.2023 г.</a:t>
             </a:fld>
             <a:endParaRPr lang="bg-BG" dirty="0"/>
           </a:p>
@@ -10106,7 +6953,7 @@
           <a:p>
             <a:fld id="{96A54FD2-9807-47AE-B332-82BE46C02019}" type="datetimeFigureOut">
               <a:rPr lang="bg-BG" smtClean="0"/>
-              <a:t>20.7.2023 г.</a:t>
+              <a:t>21.7.2023 г.</a:t>
             </a:fld>
             <a:endParaRPr lang="bg-BG" dirty="0"/>
           </a:p>
@@ -10333,7 +7180,7 @@
           <a:p>
             <a:fld id="{96A54FD2-9807-47AE-B332-82BE46C02019}" type="datetimeFigureOut">
               <a:rPr lang="bg-BG" smtClean="0"/>
-              <a:t>20.7.2023 г.</a:t>
+              <a:t>21.7.2023 г.</a:t>
             </a:fld>
             <a:endParaRPr lang="bg-BG" dirty="0"/>
           </a:p>
@@ -10695,7 +7542,7 @@
           <a:p>
             <a:fld id="{96A54FD2-9807-47AE-B332-82BE46C02019}" type="datetimeFigureOut">
               <a:rPr lang="bg-BG" smtClean="0"/>
-              <a:t>20.7.2023 г.</a:t>
+              <a:t>21.7.2023 г.</a:t>
             </a:fld>
             <a:endParaRPr lang="bg-BG" dirty="0"/>
           </a:p>
@@ -10808,7 +7655,7 @@
           <a:p>
             <a:fld id="{96A54FD2-9807-47AE-B332-82BE46C02019}" type="datetimeFigureOut">
               <a:rPr lang="bg-BG" smtClean="0"/>
-              <a:t>20.7.2023 г.</a:t>
+              <a:t>21.7.2023 г.</a:t>
             </a:fld>
             <a:endParaRPr lang="bg-BG" dirty="0"/>
           </a:p>
@@ -10898,7 +7745,7 @@
           <a:p>
             <a:fld id="{96A54FD2-9807-47AE-B332-82BE46C02019}" type="datetimeFigureOut">
               <a:rPr lang="bg-BG" smtClean="0"/>
-              <a:t>20.7.2023 г.</a:t>
+              <a:t>21.7.2023 г.</a:t>
             </a:fld>
             <a:endParaRPr lang="bg-BG" dirty="0"/>
           </a:p>
@@ -11170,7 +8017,7 @@
           <a:p>
             <a:fld id="{96A54FD2-9807-47AE-B332-82BE46C02019}" type="datetimeFigureOut">
               <a:rPr lang="bg-BG" smtClean="0"/>
-              <a:t>20.7.2023 г.</a:t>
+              <a:t>21.7.2023 г.</a:t>
             </a:fld>
             <a:endParaRPr lang="bg-BG" dirty="0"/>
           </a:p>
@@ -11418,7 +8265,7 @@
           <a:p>
             <a:fld id="{96A54FD2-9807-47AE-B332-82BE46C02019}" type="datetimeFigureOut">
               <a:rPr lang="bg-BG" smtClean="0"/>
-              <a:t>20.7.2023 г.</a:t>
+              <a:t>21.7.2023 г.</a:t>
             </a:fld>
             <a:endParaRPr lang="bg-BG" dirty="0"/>
           </a:p>
@@ -11626,7 +8473,7 @@
           <a:p>
             <a:fld id="{96A54FD2-9807-47AE-B332-82BE46C02019}" type="datetimeFigureOut">
               <a:rPr lang="bg-BG" smtClean="0"/>
-              <a:t>20.7.2023 г.</a:t>
+              <a:t>21.7.2023 г.</a:t>
             </a:fld>
             <a:endParaRPr lang="bg-BG" dirty="0"/>
           </a:p>
@@ -11727,9 +8574,8 @@
     <p:sldLayoutId id="2147483659" r:id="rId11"/>
     <p:sldLayoutId id="2147483660" r:id="rId12"/>
     <p:sldLayoutId id="2147483661" r:id="rId13"/>
-    <p:sldLayoutId id="2147483662" r:id="rId14"/>
-    <p:sldLayoutId id="2147483663" r:id="rId15"/>
-    <p:sldLayoutId id="2147483664" r:id="rId16"/>
+    <p:sldLayoutId id="2147483663" r:id="rId14"/>
+    <p:sldLayoutId id="2147483664" r:id="rId15"/>
   </p:sldLayoutIdLst>
   <p:txStyles>
     <p:titleStyle>
@@ -12059,7 +8905,7 @@
         </p:nvSpPr>
         <p:spPr>
           <a:xfrm>
-            <a:off x="310896" y="2218900"/>
+            <a:off x="246888" y="2430934"/>
             <a:ext cx="11698224" cy="1463040"/>
           </a:xfrm>
           <a:prstGeom prst="rect">
@@ -12102,8 +8948,8 @@
         </p:nvSpPr>
         <p:spPr>
           <a:xfrm>
-            <a:off x="406473" y="3681940"/>
-            <a:ext cx="7438644" cy="1323439"/>
+            <a:off x="342465" y="3893974"/>
+            <a:ext cx="7438644" cy="707886"/>
           </a:xfrm>
           <a:prstGeom prst="rect">
             <a:avLst/>
@@ -12117,7 +8963,7 @@
           <a:lstStyle/>
           <a:p>
             <a:r>
-              <a:rPr lang="ru-RU" sz="4000" dirty="0">
+              <a:rPr lang="en-US" sz="4000" dirty="0">
                 <a:solidFill>
                   <a:schemeClr val="tx2">
                     <a:lumMod val="75000"/>
@@ -12125,73 +8971,7 @@
                 </a:solidFill>
                 <a:latin typeface="Bahnschrift" panose="020B0502040204020203" pitchFamily="34" charset="0"/>
               </a:rPr>
-              <a:t>Проект за </a:t>
-            </a:r>
-            <a:r>
-              <a:rPr lang="ru-RU" sz="4000" dirty="0" err="1">
-                <a:solidFill>
-                  <a:schemeClr val="tx2">
-                    <a:lumMod val="75000"/>
-                  </a:schemeClr>
-                </a:solidFill>
-                <a:latin typeface="Bahnschrift" panose="020B0502040204020203" pitchFamily="34" charset="0"/>
-              </a:rPr>
-              <a:t>изграждане</a:t>
-            </a:r>
-            <a:r>
-              <a:rPr lang="ru-RU" sz="4000" dirty="0">
-                <a:solidFill>
-                  <a:schemeClr val="tx2">
-                    <a:lumMod val="75000"/>
-                  </a:schemeClr>
-                </a:solidFill>
-                <a:latin typeface="Bahnschrift" panose="020B0502040204020203" pitchFamily="34" charset="0"/>
-              </a:rPr>
-              <a:t> на </a:t>
-            </a:r>
-            <a:r>
-              <a:rPr lang="ru-RU" sz="4000" dirty="0" err="1">
-                <a:solidFill>
-                  <a:schemeClr val="tx2">
-                    <a:lumMod val="75000"/>
-                  </a:schemeClr>
-                </a:solidFill>
-                <a:latin typeface="Bahnschrift" panose="020B0502040204020203" pitchFamily="34" charset="0"/>
-              </a:rPr>
-              <a:t>собствено</a:t>
-            </a:r>
-            <a:r>
-              <a:rPr lang="ru-RU" sz="4000" dirty="0">
-                <a:solidFill>
-                  <a:schemeClr val="tx2">
-                    <a:lumMod val="75000"/>
-                  </a:schemeClr>
-                </a:solidFill>
-                <a:latin typeface="Bahnschrift" panose="020B0502040204020203" pitchFamily="34" charset="0"/>
-              </a:rPr>
-              <a:t> </a:t>
-            </a:r>
-            <a:r>
-              <a:rPr lang="en-GB" sz="4000" dirty="0">
-                <a:solidFill>
-                  <a:schemeClr val="tx2">
-                    <a:lumMod val="75000"/>
-                  </a:schemeClr>
-                </a:solidFill>
-                <a:latin typeface="Bahnschrift" panose="020B0502040204020203" pitchFamily="34" charset="0"/>
-              </a:rPr>
-              <a:t>CV</a:t>
-            </a:r>
-            <a:r>
-              <a:rPr lang="ru-RU" sz="4000" dirty="0">
-                <a:solidFill>
-                  <a:schemeClr val="tx2">
-                    <a:lumMod val="75000"/>
-                  </a:schemeClr>
-                </a:solidFill>
-                <a:latin typeface="Bahnschrift" panose="020B0502040204020203" pitchFamily="34" charset="0"/>
-              </a:rPr>
-              <a:t>.</a:t>
+              <a:t>Resume/CV Builder</a:t>
             </a:r>
             <a:endParaRPr lang="bg-BG" sz="4000" dirty="0">
               <a:solidFill>
@@ -12257,7 +9037,7 @@
         </p:nvSpPr>
         <p:spPr>
           <a:xfrm>
-            <a:off x="711468" y="2497410"/>
+            <a:off x="711468" y="2194132"/>
             <a:ext cx="10769064" cy="2469735"/>
           </a:xfrm>
           <a:prstGeom prst="rect">
@@ -12272,7 +9052,7 @@
           <a:p>
             <a:pPr algn="ctr"/>
             <a:r>
-              <a:rPr lang="bg-BG" sz="16600" b="1" dirty="0">
+              <a:rPr lang="bg-BG" sz="13800" b="1" dirty="0">
                 <a:solidFill>
                   <a:schemeClr val="tx2">
                     <a:lumMod val="75000"/>
@@ -12280,9 +9060,9 @@
                 </a:solidFill>
                 <a:latin typeface="Josefin Sans" pitchFamily="2" charset="0"/>
               </a:rPr>
-              <a:t>Кои сме ние?</a:t>
+              <a:t>Идея</a:t>
             </a:r>
-            <a:endParaRPr sz="16600" b="1" dirty="0">
+            <a:endParaRPr sz="8000" b="1" dirty="0">
               <a:solidFill>
                 <a:schemeClr val="tx2">
                   <a:lumMod val="75000"/>
@@ -12294,22 +9074,18 @@
         </p:txBody>
       </p:sp>
     </p:spTree>
+    <p:extLst>
+      <p:ext uri="{BB962C8B-B14F-4D97-AF65-F5344CB8AC3E}">
+        <p14:creationId xmlns:p14="http://schemas.microsoft.com/office/powerpoint/2010/main" val="1940627845"/>
+      </p:ext>
+    </p:extLst>
   </p:cSld>
   <p:clrMapOvr>
     <a:masterClrMapping/>
   </p:clrMapOvr>
-  <mc:AlternateContent xmlns:mc="http://schemas.openxmlformats.org/markup-compatibility/2006" xmlns:p14="http://schemas.microsoft.com/office/powerpoint/2010/main">
-    <mc:Choice Requires="p14">
-      <p:transition spd="slow">
-        <p:wipe/>
-      </p:transition>
-    </mc:Choice>
-    <mc:Fallback xmlns="">
-      <p:transition spd="slow">
-        <p:wipe/>
-      </p:transition>
-    </mc:Fallback>
-  </mc:AlternateContent>
+  <p:transition spd="slow">
+    <p:wipe/>
+  </p:transition>
 </p:sld>
 </file>
 
@@ -12334,7 +9110,7 @@
     </p:bg>
     <p:spTree>
       <p:nvGrpSpPr>
-        <p:cNvPr id="1" name="Shape 476"/>
+        <p:cNvPr id="1" name="Shape 493"/>
         <p:cNvGrpSpPr/>
         <p:nvPr/>
       </p:nvGrpSpPr>
@@ -12348,7 +9124,7 @@
       </p:grpSpPr>
       <p:sp>
         <p:nvSpPr>
-          <p:cNvPr id="477" name="Google Shape;477;p31"/>
+          <p:cNvPr id="494" name="Google Shape;494;p32"/>
           <p:cNvSpPr txBox="1">
             <a:spLocks noGrp="1"/>
           </p:cNvSpPr>
@@ -12358,22 +9134,22 @@
         </p:nvSpPr>
         <p:spPr>
           <a:xfrm>
-            <a:off x="3225600" y="458637"/>
-            <a:ext cx="5740800" cy="763600"/>
+            <a:off x="2189764" y="557349"/>
+            <a:ext cx="8852706" cy="1475975"/>
           </a:xfrm>
           <a:prstGeom prst="rect">
             <a:avLst/>
           </a:prstGeom>
         </p:spPr>
         <p:txBody>
-          <a:bodyPr spcFirstLastPara="1" vert="horz" wrap="square" lIns="121900" tIns="121900" rIns="121900" bIns="121900" rtlCol="0" anchor="t" anchorCtr="0">
+          <a:bodyPr spcFirstLastPara="1" vert="horz" wrap="square" lIns="121900" tIns="121900" rIns="121900" bIns="121900" rtlCol="0" anchor="ctr" anchorCtr="0">
             <a:noAutofit/>
           </a:bodyPr>
           <a:lstStyle/>
           <a:p>
             <a:pPr algn="ctr"/>
             <a:r>
-              <a:rPr lang="bg-BG" b="1" dirty="0">
+              <a:rPr lang="bg-BG" sz="4000" b="1" dirty="0">
                 <a:solidFill>
                   <a:schemeClr val="tx2">
                     <a:lumMod val="75000"/>
@@ -12381,9 +9157,20 @@
                 </a:solidFill>
                 <a:latin typeface="Josefin Sans" pitchFamily="2" charset="0"/>
               </a:rPr>
-              <a:t>Етапи на реализация</a:t>
+              <a:t>Използвани</a:t>
             </a:r>
-            <a:endParaRPr b="1" dirty="0">
+            <a:r>
+              <a:rPr lang="ru-RU" sz="4000" b="1" dirty="0">
+                <a:solidFill>
+                  <a:schemeClr val="tx2">
+                    <a:lumMod val="75000"/>
+                  </a:schemeClr>
+                </a:solidFill>
+                <a:latin typeface="Josefin Sans" pitchFamily="2" charset="0"/>
+              </a:rPr>
+              <a:t> технологии</a:t>
+            </a:r>
+            <a:endParaRPr sz="4000" b="1" dirty="0">
               <a:solidFill>
                 <a:schemeClr val="tx2">
                   <a:lumMod val="75000"/>
@@ -12394,402 +9181,374 @@
           </a:p>
         </p:txBody>
       </p:sp>
-      <p:sp>
-        <p:nvSpPr>
-          <p:cNvPr id="479" name="Google Shape;479;p31"/>
-          <p:cNvSpPr txBox="1">
-            <a:spLocks noGrp="1"/>
-          </p:cNvSpPr>
-          <p:nvPr>
-            <p:ph type="subTitle" idx="1"/>
-          </p:nvPr>
-        </p:nvSpPr>
-        <p:spPr>
+      <p:pic>
+        <p:nvPicPr>
+          <p:cNvPr id="3080" name="Picture 8"/>
+          <p:cNvPicPr>
+            <a:picLocks noChangeAspect="1" noChangeArrowheads="1"/>
+          </p:cNvPicPr>
+          <p:nvPr/>
+        </p:nvPicPr>
+        <p:blipFill>
+          <a:blip r:embed="rId3" cstate="print">
+            <a:extLst>
+              <a:ext uri="{28A0092B-C50C-407E-A947-70E740481C1C}">
+                <a14:useLocalDpi xmlns:a14="http://schemas.microsoft.com/office/drawing/2010/main" val="0"/>
+              </a:ext>
+            </a:extLst>
+          </a:blip>
+          <a:srcRect/>
+          <a:stretch>
+            <a:fillRect/>
+          </a:stretch>
+        </p:blipFill>
+        <p:spPr bwMode="auto">
           <a:xfrm>
-            <a:off x="5638898" y="2963838"/>
-            <a:ext cx="5106800" cy="476000"/>
+            <a:off x="9143788" y="2161726"/>
+            <a:ext cx="1310017" cy="1310017"/>
           </a:xfrm>
           <a:prstGeom prst="rect">
             <a:avLst/>
           </a:prstGeom>
-        </p:spPr>
-        <p:txBody>
-          <a:bodyPr spcFirstLastPara="1" vert="horz" wrap="square" lIns="121900" tIns="121900" rIns="121900" bIns="121900" rtlCol="0" anchor="ctr" anchorCtr="0">
-            <a:noAutofit/>
-          </a:bodyPr>
-          <a:lstStyle/>
-          <a:p>
-            <a:pPr marL="0" indent="0"/>
-            <a:r>
-              <a:rPr lang="bg-BG" sz="2700" dirty="0">
+          <a:noFill/>
+          <a:extLst>
+            <a:ext uri="{909E8E84-426E-40DD-AFC4-6F175D3DCCD1}">
+              <a14:hiddenFill xmlns:a14="http://schemas.microsoft.com/office/drawing/2010/main">
                 <a:solidFill>
-                  <a:schemeClr val="tx2">
-                    <a:lumMod val="75000"/>
-                  </a:schemeClr>
+                  <a:srgbClr val="FFFFFF"/>
                 </a:solidFill>
-              </a:rPr>
-              <a:t>Осъществяване </a:t>
-            </a:r>
-          </a:p>
-          <a:p>
-            <a:pPr marL="0" indent="0"/>
-            <a:r>
-              <a:rPr lang="bg-BG" sz="2700" dirty="0">
-                <a:solidFill>
-                  <a:schemeClr val="tx2">
-                    <a:lumMod val="75000"/>
-                  </a:schemeClr>
-                </a:solidFill>
-              </a:rPr>
-              <a:t>на идеята</a:t>
-            </a:r>
-            <a:endParaRPr sz="2700" dirty="0">
-              <a:solidFill>
-                <a:schemeClr val="tx2">
-                  <a:lumMod val="75000"/>
-                </a:schemeClr>
-              </a:solidFill>
-            </a:endParaRPr>
-          </a:p>
-        </p:txBody>
-      </p:sp>
-      <p:sp>
-        <p:nvSpPr>
-          <p:cNvPr id="478" name="Google Shape;478;p31"/>
-          <p:cNvSpPr txBox="1">
-            <a:spLocks noGrp="1"/>
-          </p:cNvSpPr>
-          <p:nvPr>
-            <p:ph type="subTitle" idx="3"/>
-          </p:nvPr>
-        </p:nvSpPr>
+              </a14:hiddenFill>
+            </a:ext>
+          </a:extLst>
+        </p:spPr>
+      </p:pic>
+      <p:pic>
+        <p:nvPicPr>
+          <p:cNvPr id="2" name="Картина 1"/>
+          <p:cNvPicPr>
+            <a:picLocks noChangeAspect="1"/>
+          </p:cNvPicPr>
+          <p:nvPr/>
+        </p:nvPicPr>
+        <p:blipFill>
+          <a:blip r:embed="rId4" cstate="print">
+            <a:extLst>
+              <a:ext uri="{28A0092B-C50C-407E-A947-70E740481C1C}">
+                <a14:useLocalDpi xmlns:a14="http://schemas.microsoft.com/office/drawing/2010/main" val="0"/>
+              </a:ext>
+            </a:extLst>
+          </a:blip>
+          <a:stretch>
+            <a:fillRect/>
+          </a:stretch>
+        </p:blipFill>
         <p:spPr>
           <a:xfrm>
-            <a:off x="1167135" y="2926972"/>
-            <a:ext cx="4664710" cy="765175"/>
+            <a:off x="1563698" y="4910163"/>
+            <a:ext cx="1390488" cy="1390488"/>
           </a:xfrm>
           <a:prstGeom prst="rect">
             <a:avLst/>
           </a:prstGeom>
         </p:spPr>
-        <p:txBody>
-          <a:bodyPr spcFirstLastPara="1" vert="horz" wrap="square" lIns="121900" tIns="121900" rIns="121900" bIns="121900" rtlCol="0" anchor="ctr" anchorCtr="0">
-            <a:noAutofit/>
-          </a:bodyPr>
-          <a:lstStyle/>
-          <a:p>
-            <a:pPr marL="0" indent="0"/>
-            <a:r>
-              <a:rPr lang="bg-BG" sz="2700" dirty="0">
-                <a:solidFill>
-                  <a:schemeClr val="tx2">
-                    <a:lumMod val="75000"/>
-                  </a:schemeClr>
-                </a:solidFill>
-              </a:rPr>
-              <a:t>Разпределяне на задачите </a:t>
-            </a:r>
-            <a:endParaRPr sz="2700" dirty="0">
-              <a:solidFill>
-                <a:schemeClr val="tx2">
-                  <a:lumMod val="75000"/>
-                </a:schemeClr>
-              </a:solidFill>
-            </a:endParaRPr>
-          </a:p>
-        </p:txBody>
-      </p:sp>
-      <p:sp>
-        <p:nvSpPr>
-          <p:cNvPr id="482" name="Google Shape;482;p31"/>
-          <p:cNvSpPr txBox="1">
-            <a:spLocks noGrp="1"/>
-          </p:cNvSpPr>
-          <p:nvPr>
-            <p:ph type="subTitle" idx="5"/>
-          </p:nvPr>
-        </p:nvSpPr>
+      </p:pic>
+      <p:pic>
+        <p:nvPicPr>
+          <p:cNvPr id="3" name="Картина 2"/>
+          <p:cNvPicPr>
+            <a:picLocks noChangeAspect="1"/>
+          </p:cNvPicPr>
+          <p:nvPr/>
+        </p:nvPicPr>
+        <p:blipFill>
+          <a:blip r:embed="rId5" cstate="print">
+            <a:extLst>
+              <a:ext uri="{28A0092B-C50C-407E-A947-70E740481C1C}">
+                <a14:useLocalDpi xmlns:a14="http://schemas.microsoft.com/office/drawing/2010/main" val="0"/>
+              </a:ext>
+            </a:extLst>
+          </a:blip>
+          <a:stretch>
+            <a:fillRect/>
+          </a:stretch>
+        </p:blipFill>
         <p:spPr>
           <a:xfrm>
-            <a:off x="1556443" y="5422542"/>
-            <a:ext cx="3886093" cy="476000"/>
+            <a:off x="3176505" y="3226495"/>
+            <a:ext cx="1383828" cy="1389017"/>
           </a:xfrm>
           <a:prstGeom prst="rect">
             <a:avLst/>
           </a:prstGeom>
         </p:spPr>
-        <p:txBody>
-          <a:bodyPr spcFirstLastPara="1" vert="horz" wrap="square" lIns="121900" tIns="121900" rIns="121900" bIns="121900" rtlCol="0" anchor="ctr" anchorCtr="0">
-            <a:noAutofit/>
-          </a:bodyPr>
-          <a:lstStyle/>
-          <a:p>
-            <a:pPr marL="0" indent="0"/>
-            <a:r>
-              <a:rPr lang="bg-BG" sz="2700" dirty="0">
-                <a:solidFill>
-                  <a:schemeClr val="tx2">
-                    <a:lumMod val="75000"/>
-                  </a:schemeClr>
-                </a:solidFill>
-              </a:rPr>
-              <a:t>Проверка за грешки</a:t>
-            </a:r>
-            <a:endParaRPr sz="2700" dirty="0">
-              <a:solidFill>
-                <a:schemeClr val="tx2">
-                  <a:lumMod val="75000"/>
-                </a:schemeClr>
-              </a:solidFill>
-            </a:endParaRPr>
-          </a:p>
-        </p:txBody>
-      </p:sp>
-      <p:sp>
-        <p:nvSpPr>
-          <p:cNvPr id="484" name="Google Shape;484;p31"/>
-          <p:cNvSpPr txBox="1">
-            <a:spLocks noGrp="1"/>
-          </p:cNvSpPr>
-          <p:nvPr>
-            <p:ph type="subTitle" idx="7"/>
-          </p:nvPr>
-        </p:nvSpPr>
+      </p:pic>
+      <p:pic>
+        <p:nvPicPr>
+          <p:cNvPr id="4" name="Картина 3"/>
+          <p:cNvPicPr>
+            <a:picLocks noChangeAspect="1"/>
+          </p:cNvPicPr>
+          <p:nvPr/>
+        </p:nvPicPr>
+        <p:blipFill>
+          <a:blip r:embed="rId6" cstate="print">
+            <a:extLst>
+              <a:ext uri="{28A0092B-C50C-407E-A947-70E740481C1C}">
+                <a14:useLocalDpi xmlns:a14="http://schemas.microsoft.com/office/drawing/2010/main" val="0"/>
+              </a:ext>
+            </a:extLst>
+          </a:blip>
+          <a:stretch>
+            <a:fillRect/>
+          </a:stretch>
+        </p:blipFill>
         <p:spPr>
           <a:xfrm>
-            <a:off x="5517988" y="5422542"/>
-            <a:ext cx="5585200" cy="476000"/>
+            <a:off x="8361138" y="4580187"/>
+            <a:ext cx="1201501" cy="1201501"/>
           </a:xfrm>
           <a:prstGeom prst="rect">
             <a:avLst/>
           </a:prstGeom>
         </p:spPr>
-        <p:txBody>
-          <a:bodyPr spcFirstLastPara="1" vert="horz" wrap="square" lIns="121900" tIns="121900" rIns="121900" bIns="121900" rtlCol="0" anchor="ctr" anchorCtr="0">
-            <a:noAutofit/>
-          </a:bodyPr>
-          <a:lstStyle/>
-          <a:p>
-            <a:pPr marL="0" indent="0"/>
-            <a:r>
-              <a:rPr lang="bg-BG" sz="2700" dirty="0">
-                <a:solidFill>
-                  <a:schemeClr val="tx2">
-                    <a:lumMod val="75000"/>
-                  </a:schemeClr>
-                </a:solidFill>
-              </a:rPr>
-              <a:t>Създаване на </a:t>
-            </a:r>
-            <a:br>
-              <a:rPr lang="bg-BG" sz="2700" dirty="0">
-                <a:solidFill>
-                  <a:schemeClr val="tx2">
-                    <a:lumMod val="75000"/>
-                  </a:schemeClr>
-                </a:solidFill>
-              </a:rPr>
-            </a:br>
-            <a:r>
-              <a:rPr lang="bg-BG" sz="2700" dirty="0">
-                <a:solidFill>
-                  <a:schemeClr val="tx2">
-                    <a:lumMod val="75000"/>
-                  </a:schemeClr>
-                </a:solidFill>
-              </a:rPr>
-              <a:t>документацията</a:t>
-            </a:r>
-            <a:endParaRPr sz="2700" dirty="0">
-              <a:solidFill>
-                <a:schemeClr val="tx2">
-                  <a:lumMod val="75000"/>
-                </a:schemeClr>
-              </a:solidFill>
-            </a:endParaRPr>
-          </a:p>
-        </p:txBody>
-      </p:sp>
-      <p:sp>
-        <p:nvSpPr>
-          <p:cNvPr id="486" name="Google Shape;486;p31"/>
-          <p:cNvSpPr txBox="1">
-            <a:spLocks noGrp="1"/>
-          </p:cNvSpPr>
-          <p:nvPr>
-            <p:ph type="title" idx="9"/>
-          </p:nvPr>
-        </p:nvSpPr>
+      </p:pic>
+      <p:pic>
+        <p:nvPicPr>
+          <p:cNvPr id="6" name="Картина 5"/>
+          <p:cNvPicPr>
+            <a:picLocks noChangeAspect="1"/>
+          </p:cNvPicPr>
+          <p:nvPr/>
+        </p:nvPicPr>
+        <p:blipFill>
+          <a:blip r:embed="rId7" cstate="print">
+            <a:extLst>
+              <a:ext uri="{28A0092B-C50C-407E-A947-70E740481C1C}">
+                <a14:useLocalDpi xmlns:a14="http://schemas.microsoft.com/office/drawing/2010/main" val="0"/>
+              </a:ext>
+            </a:extLst>
+          </a:blip>
+          <a:stretch>
+            <a:fillRect/>
+          </a:stretch>
+        </p:blipFill>
         <p:spPr>
           <a:xfrm>
-            <a:off x="2930555" y="2061102"/>
-            <a:ext cx="1385600" cy="890000"/>
+            <a:off x="6294228" y="5015510"/>
+            <a:ext cx="1603758" cy="1603758"/>
           </a:xfrm>
           <a:prstGeom prst="rect">
             <a:avLst/>
           </a:prstGeom>
         </p:spPr>
-        <p:txBody>
-          <a:bodyPr spcFirstLastPara="1" vert="horz" wrap="square" lIns="121900" tIns="121900" rIns="121900" bIns="121900" rtlCol="0" anchor="ctr" anchorCtr="0">
-            <a:noAutofit/>
-          </a:bodyPr>
-          <a:lstStyle/>
-          <a:p>
-            <a:r>
-              <a:rPr lang="en-GB" b="1" dirty="0">
-                <a:solidFill>
-                  <a:schemeClr val="tx2">
-                    <a:lumMod val="75000"/>
-                  </a:schemeClr>
-                </a:solidFill>
-              </a:rPr>
-              <a:t>1.</a:t>
-            </a:r>
-            <a:endParaRPr b="1" dirty="0">
-              <a:solidFill>
-                <a:schemeClr val="tx2">
-                  <a:lumMod val="75000"/>
-                </a:schemeClr>
-              </a:solidFill>
-            </a:endParaRPr>
-          </a:p>
-        </p:txBody>
-      </p:sp>
-      <p:sp>
-        <p:nvSpPr>
-          <p:cNvPr id="487" name="Google Shape;487;p31"/>
-          <p:cNvSpPr txBox="1">
-            <a:spLocks noGrp="1"/>
-          </p:cNvSpPr>
-          <p:nvPr>
-            <p:ph type="title" idx="13"/>
-          </p:nvPr>
-        </p:nvSpPr>
+      </p:pic>
+      <p:pic>
+        <p:nvPicPr>
+          <p:cNvPr id="7" name="Картина 6"/>
+          <p:cNvPicPr>
+            <a:picLocks noChangeAspect="1"/>
+          </p:cNvPicPr>
+          <p:nvPr/>
+        </p:nvPicPr>
+        <p:blipFill>
+          <a:blip r:embed="rId8" cstate="print">
+            <a:extLst>
+              <a:ext uri="{28A0092B-C50C-407E-A947-70E740481C1C}">
+                <a14:useLocalDpi xmlns:a14="http://schemas.microsoft.com/office/drawing/2010/main" val="0"/>
+              </a:ext>
+            </a:extLst>
+          </a:blip>
+          <a:stretch>
+            <a:fillRect/>
+          </a:stretch>
+        </p:blipFill>
         <p:spPr>
           <a:xfrm>
-            <a:off x="7617788" y="2036972"/>
-            <a:ext cx="1385600" cy="890000"/>
+            <a:off x="1563698" y="2315765"/>
+            <a:ext cx="1252131" cy="1252131"/>
           </a:xfrm>
           <a:prstGeom prst="rect">
             <a:avLst/>
           </a:prstGeom>
         </p:spPr>
-        <p:txBody>
-          <a:bodyPr spcFirstLastPara="1" vert="horz" wrap="square" lIns="121900" tIns="121900" rIns="121900" bIns="121900" rtlCol="0" anchor="ctr" anchorCtr="0">
-            <a:noAutofit/>
-          </a:bodyPr>
-          <a:lstStyle/>
-          <a:p>
-            <a:r>
-              <a:rPr lang="en-GB" b="1" dirty="0">
-                <a:solidFill>
-                  <a:schemeClr val="tx2">
-                    <a:lumMod val="75000"/>
-                  </a:schemeClr>
-                </a:solidFill>
-              </a:rPr>
-              <a:t>2.</a:t>
-            </a:r>
-            <a:endParaRPr b="1" dirty="0">
-              <a:solidFill>
-                <a:schemeClr val="tx2">
-                  <a:lumMod val="75000"/>
-                </a:schemeClr>
-              </a:solidFill>
-            </a:endParaRPr>
-          </a:p>
-        </p:txBody>
-      </p:sp>
-      <p:sp>
-        <p:nvSpPr>
-          <p:cNvPr id="488" name="Google Shape;488;p31"/>
-          <p:cNvSpPr txBox="1">
-            <a:spLocks noGrp="1"/>
-          </p:cNvSpPr>
-          <p:nvPr>
-            <p:ph type="title" idx="14"/>
-          </p:nvPr>
+      </p:pic>
+      <p:sp>
+        <p:nvSpPr>
+          <p:cNvPr id="8" name="Text Box 7"/>
+          <p:cNvSpPr txBox="1"/>
+          <p:nvPr/>
         </p:nvSpPr>
         <p:spPr>
           <a:xfrm>
-            <a:off x="7617788" y="4517521"/>
-            <a:ext cx="1385600" cy="890000"/>
+            <a:off x="8269144" y="4139250"/>
+            <a:ext cx="1304925" cy="523220"/>
           </a:xfrm>
           <a:prstGeom prst="rect">
             <a:avLst/>
           </a:prstGeom>
-        </p:spPr>
-        <p:txBody>
-          <a:bodyPr spcFirstLastPara="1" vert="horz" wrap="square" lIns="121900" tIns="121900" rIns="121900" bIns="121900" rtlCol="0" anchor="ctr" anchorCtr="0">
-            <a:noAutofit/>
+          <a:noFill/>
+        </p:spPr>
+        <p:txBody>
+          <a:bodyPr wrap="square" rtlCol="0">
+            <a:spAutoFit/>
           </a:bodyPr>
           <a:lstStyle/>
           <a:p>
+            <a:pPr algn="ctr"/>
             <a:r>
-              <a:rPr lang="en-GB" b="1" dirty="0">
+              <a:rPr lang="en-US" altLang="en-US" sz="2800" b="1" dirty="0">
                 <a:solidFill>
-                  <a:schemeClr val="tx2">
-                    <a:lumMod val="75000"/>
-                  </a:schemeClr>
+                  <a:srgbClr val="000000"/>
                 </a:solidFill>
+                <a:latin typeface="Arial Black" panose="020B0A04020102020204" charset="0"/>
+                <a:cs typeface="Arial Black" panose="020B0A04020102020204" charset="0"/>
               </a:rPr>
-              <a:t>4.</a:t>
+              <a:t>CSS</a:t>
             </a:r>
-            <a:endParaRPr b="1" dirty="0">
-              <a:solidFill>
-                <a:schemeClr val="tx2">
-                  <a:lumMod val="75000"/>
-                </a:schemeClr>
-              </a:solidFill>
-            </a:endParaRPr>
-          </a:p>
-        </p:txBody>
-      </p:sp>
-      <p:sp>
-        <p:nvSpPr>
-          <p:cNvPr id="489" name="Google Shape;489;p31"/>
-          <p:cNvSpPr txBox="1">
-            <a:spLocks noGrp="1"/>
-          </p:cNvSpPr>
-          <p:nvPr>
-            <p:ph type="title" idx="15"/>
-          </p:nvPr>
-        </p:nvSpPr>
-        <p:spPr>
+          </a:p>
+        </p:txBody>
+      </p:sp>
+      <p:pic>
+        <p:nvPicPr>
+          <p:cNvPr id="1026" name="Picture 2" descr="Free Javascript Icon - Download in Flat Style">
+            <a:extLst>
+              <a:ext uri="{FF2B5EF4-FFF2-40B4-BE49-F238E27FC236}">
+                <a16:creationId xmlns:a16="http://schemas.microsoft.com/office/drawing/2014/main" id="{A84E33D5-B37E-C6E8-FC15-AE51E18A02C8}"/>
+              </a:ext>
+            </a:extLst>
+          </p:cNvPr>
+          <p:cNvPicPr>
+            <a:picLocks noChangeAspect="1" noChangeArrowheads="1"/>
+          </p:cNvPicPr>
+          <p:nvPr/>
+        </p:nvPicPr>
+        <p:blipFill>
+          <a:blip r:embed="rId9">
+            <a:extLst>
+              <a:ext uri="{28A0092B-C50C-407E-A947-70E740481C1C}">
+                <a14:useLocalDpi xmlns:a14="http://schemas.microsoft.com/office/drawing/2010/main" val="0"/>
+              </a:ext>
+            </a:extLst>
+          </a:blip>
+          <a:srcRect/>
+          <a:stretch>
+            <a:fillRect/>
+          </a:stretch>
+        </p:blipFill>
+        <p:spPr bwMode="auto">
           <a:xfrm>
-            <a:off x="2930555" y="4517521"/>
-            <a:ext cx="1385600" cy="890000"/>
+            <a:off x="4119130" y="4662470"/>
+            <a:ext cx="1603758" cy="1638181"/>
           </a:xfrm>
           <a:prstGeom prst="rect">
             <a:avLst/>
           </a:prstGeom>
-        </p:spPr>
-        <p:txBody>
-          <a:bodyPr spcFirstLastPara="1" vert="horz" wrap="square" lIns="121900" tIns="121900" rIns="121900" bIns="121900" rtlCol="0" anchor="ctr" anchorCtr="0">
-            <a:noAutofit/>
-          </a:bodyPr>
-          <a:lstStyle/>
-          <a:p>
-            <a:r>
-              <a:rPr lang="en-GB" b="1" dirty="0">
+          <a:noFill/>
+          <a:extLst>
+            <a:ext uri="{909E8E84-426E-40DD-AFC4-6F175D3DCCD1}">
+              <a14:hiddenFill xmlns:a14="http://schemas.microsoft.com/office/drawing/2010/main">
                 <a:solidFill>
-                  <a:schemeClr val="tx2">
-                    <a:lumMod val="75000"/>
-                  </a:schemeClr>
+                  <a:srgbClr val="FFFFFF"/>
                 </a:solidFill>
-              </a:rPr>
-              <a:t>3.</a:t>
-            </a:r>
-            <a:endParaRPr b="1" dirty="0">
-              <a:solidFill>
-                <a:schemeClr val="tx2">
-                  <a:lumMod val="75000"/>
-                </a:schemeClr>
-              </a:solidFill>
-            </a:endParaRPr>
-          </a:p>
-        </p:txBody>
-      </p:sp>
+              </a14:hiddenFill>
+            </a:ext>
+          </a:extLst>
+        </p:spPr>
+      </p:pic>
+      <p:pic>
+        <p:nvPicPr>
+          <p:cNvPr id="9" name="Picture 2">
+            <a:extLst>
+              <a:ext uri="{FF2B5EF4-FFF2-40B4-BE49-F238E27FC236}">
+                <a16:creationId xmlns:a16="http://schemas.microsoft.com/office/drawing/2014/main" id="{57CB38FC-3024-6BC1-AA2C-C3F525AF5DFE}"/>
+              </a:ext>
+            </a:extLst>
+          </p:cNvPr>
+          <p:cNvPicPr>
+            <a:picLocks noChangeAspect="1" noChangeArrowheads="1"/>
+          </p:cNvPicPr>
+          <p:nvPr/>
+        </p:nvPicPr>
+        <p:blipFill>
+          <a:blip r:embed="rId10" cstate="print">
+            <a:extLst>
+              <a:ext uri="{28A0092B-C50C-407E-A947-70E740481C1C}">
+                <a14:useLocalDpi xmlns:a14="http://schemas.microsoft.com/office/drawing/2010/main" val="0"/>
+              </a:ext>
+            </a:extLst>
+          </a:blip>
+          <a:srcRect/>
+          <a:stretch>
+            <a:fillRect/>
+          </a:stretch>
+        </p:blipFill>
+        <p:spPr bwMode="auto">
+          <a:xfrm>
+            <a:off x="5043702" y="2601232"/>
+            <a:ext cx="1250526" cy="1250526"/>
+          </a:xfrm>
+          <a:prstGeom prst="rect">
+            <a:avLst/>
+          </a:prstGeom>
+          <a:noFill/>
+          <a:extLst>
+            <a:ext uri="{909E8E84-426E-40DD-AFC4-6F175D3DCCD1}">
+              <a14:hiddenFill xmlns:a14="http://schemas.microsoft.com/office/drawing/2010/main">
+                <a:solidFill>
+                  <a:srgbClr val="FFFFFF"/>
+                </a:solidFill>
+              </a14:hiddenFill>
+            </a:ext>
+          </a:extLst>
+        </p:spPr>
+      </p:pic>
+      <p:pic>
+        <p:nvPicPr>
+          <p:cNvPr id="1028" name="Picture 4" descr="Swagger (software) - Wikipedia">
+            <a:extLst>
+              <a:ext uri="{FF2B5EF4-FFF2-40B4-BE49-F238E27FC236}">
+                <a16:creationId xmlns:a16="http://schemas.microsoft.com/office/drawing/2014/main" id="{7B646108-BBDF-EA54-824D-18D641C4CC2A}"/>
+              </a:ext>
+            </a:extLst>
+          </p:cNvPr>
+          <p:cNvPicPr>
+            <a:picLocks noChangeAspect="1" noChangeArrowheads="1"/>
+          </p:cNvPicPr>
+          <p:nvPr/>
+        </p:nvPicPr>
+        <p:blipFill>
+          <a:blip r:embed="rId11">
+            <a:extLst>
+              <a:ext uri="{28A0092B-C50C-407E-A947-70E740481C1C}">
+                <a14:useLocalDpi xmlns:a14="http://schemas.microsoft.com/office/drawing/2010/main" val="0"/>
+              </a:ext>
+            </a:extLst>
+          </a:blip>
+          <a:srcRect/>
+          <a:stretch>
+            <a:fillRect/>
+          </a:stretch>
+        </p:blipFill>
+        <p:spPr bwMode="auto">
+          <a:xfrm>
+            <a:off x="7075314" y="2732413"/>
+            <a:ext cx="1584008" cy="1584008"/>
+          </a:xfrm>
+          <a:prstGeom prst="rect">
+            <a:avLst/>
+          </a:prstGeom>
+          <a:noFill/>
+          <a:extLst>
+            <a:ext uri="{909E8E84-426E-40DD-AFC4-6F175D3DCCD1}">
+              <a14:hiddenFill xmlns:a14="http://schemas.microsoft.com/office/drawing/2010/main">
+                <a:solidFill>
+                  <a:srgbClr val="FFFFFF"/>
+                </a:solidFill>
+              </a14:hiddenFill>
+            </a:ext>
+          </a:extLst>
+        </p:spPr>
+      </p:pic>
     </p:spTree>
   </p:cSld>
   <p:clrMapOvr>
@@ -12859,7 +9618,7 @@
         </p:blipFill>
         <p:spPr>
           <a:xfrm>
-            <a:off x="5213350" y="892810"/>
+            <a:off x="5117410" y="721360"/>
             <a:ext cx="6372225" cy="5415280"/>
           </a:xfrm>
           <a:prstGeom prst="rect">
@@ -12949,7 +9708,7 @@
       </p:grpSpPr>
       <p:sp>
         <p:nvSpPr>
-          <p:cNvPr id="4" name="Заглавие 1"/>
+          <p:cNvPr id="5" name="Заглавие 1"/>
           <p:cNvSpPr>
             <a:spLocks noGrp="1"/>
           </p:cNvSpPr>
@@ -12959,8 +9718,8 @@
         </p:nvSpPr>
         <p:spPr>
           <a:xfrm>
-            <a:off x="994902" y="1068070"/>
-            <a:ext cx="6480000" cy="1096400"/>
+            <a:off x="894849" y="1031875"/>
+            <a:ext cx="10821035" cy="1096645"/>
           </a:xfrm>
         </p:spPr>
         <p:txBody>
@@ -12969,14 +9728,14 @@
           <a:p>
             <a:r>
               <a:rPr lang="en-US" altLang="bg-BG" sz="7200" b="1" dirty="0"/>
-              <a:t>Backend</a:t>
+              <a:t>Frontend</a:t>
             </a:r>
           </a:p>
         </p:txBody>
       </p:sp>
       <p:pic>
         <p:nvPicPr>
-          <p:cNvPr id="5" name="Picture 4"/>
+          <p:cNvPr id="7" name="Picture 6"/>
           <p:cNvPicPr>
             <a:picLocks noChangeAspect="1"/>
           </p:cNvPicPr>
@@ -12990,8 +9749,8 @@
         </p:blipFill>
         <p:spPr>
           <a:xfrm>
-            <a:off x="4074113" y="2125980"/>
-            <a:ext cx="7908925" cy="3663950"/>
+            <a:off x="3403263" y="2128520"/>
+            <a:ext cx="8409305" cy="3852545"/>
           </a:xfrm>
           <a:prstGeom prst="rect">
             <a:avLst/>
@@ -13039,7 +9798,7 @@
     </p:bg>
     <p:spTree>
       <p:nvGrpSpPr>
-        <p:cNvPr id="1" name=""/>
+        <p:cNvPr id="1" name="Shape 463"/>
         <p:cNvGrpSpPr/>
         <p:nvPr/>
       </p:nvGrpSpPr>
@@ -13053,111 +9812,7 @@
       </p:grpSpPr>
       <p:sp>
         <p:nvSpPr>
-          <p:cNvPr id="5" name="Заглавие 1"/>
-          <p:cNvSpPr>
-            <a:spLocks noGrp="1"/>
-          </p:cNvSpPr>
-          <p:nvPr>
-            <p:ph type="title"/>
-          </p:nvPr>
-        </p:nvSpPr>
-        <p:spPr>
-          <a:xfrm>
-            <a:off x="894849" y="1031875"/>
-            <a:ext cx="10821035" cy="1096645"/>
-          </a:xfrm>
-        </p:spPr>
-        <p:txBody>
-          <a:bodyPr/>
-          <a:lstStyle/>
-          <a:p>
-            <a:r>
-              <a:rPr lang="en-US" altLang="bg-BG" sz="7200" b="1" dirty="0"/>
-              <a:t>Frontend</a:t>
-            </a:r>
-          </a:p>
-        </p:txBody>
-      </p:sp>
-      <p:pic>
-        <p:nvPicPr>
-          <p:cNvPr id="7" name="Picture 6"/>
-          <p:cNvPicPr>
-            <a:picLocks noChangeAspect="1"/>
-          </p:cNvPicPr>
-          <p:nvPr/>
-        </p:nvPicPr>
-        <p:blipFill>
-          <a:blip r:embed="rId2"/>
-          <a:stretch>
-            <a:fillRect/>
-          </a:stretch>
-        </p:blipFill>
-        <p:spPr>
-          <a:xfrm>
-            <a:off x="3403263" y="2128520"/>
-            <a:ext cx="8409305" cy="3852545"/>
-          </a:xfrm>
-          <a:prstGeom prst="rect">
-            <a:avLst/>
-          </a:prstGeom>
-        </p:spPr>
-      </p:pic>
-    </p:spTree>
-  </p:cSld>
-  <p:clrMapOvr>
-    <a:masterClrMapping/>
-  </p:clrMapOvr>
-  <mc:AlternateContent xmlns:mc="http://schemas.openxmlformats.org/markup-compatibility/2006" xmlns:p14="http://schemas.microsoft.com/office/powerpoint/2010/main">
-    <mc:Choice Requires="p14">
-      <p:transition spd="slow">
-        <p:wipe/>
-      </p:transition>
-    </mc:Choice>
-    <mc:Fallback xmlns="">
-      <p:transition spd="slow">
-        <p:wipe/>
-      </p:transition>
-    </mc:Fallback>
-  </mc:AlternateContent>
-</p:sld>
-</file>
-
-<file path=ppt/slides/slide7.xml><?xml version="1.0" encoding="utf-8"?>
-<p:sld xmlns:a="http://schemas.openxmlformats.org/drawingml/2006/main" xmlns:r="http://schemas.openxmlformats.org/officeDocument/2006/relationships" xmlns:p="http://schemas.openxmlformats.org/presentationml/2006/main">
-  <p:cSld>
-    <p:bg>
-      <p:bgPr>
-        <a:gradFill>
-          <a:gsLst>
-            <a:gs pos="0">
-              <a:srgbClr val="FECF40"/>
-            </a:gs>
-            <a:gs pos="100000">
-              <a:srgbClr val="846C21"/>
-            </a:gs>
-          </a:gsLst>
-          <a:lin scaled="0"/>
-        </a:gradFill>
-        <a:effectLst/>
-      </p:bgPr>
-    </p:bg>
-    <p:spTree>
-      <p:nvGrpSpPr>
-        <p:cNvPr id="1" name="Shape 493"/>
-        <p:cNvGrpSpPr/>
-        <p:nvPr/>
-      </p:nvGrpSpPr>
-      <p:grpSpPr>
-        <a:xfrm>
-          <a:off x="0" y="0"/>
-          <a:ext cx="0" cy="0"/>
-          <a:chOff x="0" y="0"/>
-          <a:chExt cx="0" cy="0"/>
-        </a:xfrm>
-      </p:grpSpPr>
-      <p:sp>
-        <p:nvSpPr>
-          <p:cNvPr id="494" name="Google Shape;494;p32"/>
+          <p:cNvPr id="464" name="Google Shape;464;p29"/>
           <p:cNvSpPr txBox="1">
             <a:spLocks noGrp="1"/>
           </p:cNvSpPr>
@@ -13167,8 +9822,8 @@
         </p:nvSpPr>
         <p:spPr>
           <a:xfrm>
-            <a:off x="2189764" y="557349"/>
-            <a:ext cx="8852706" cy="1475975"/>
+            <a:off x="711468" y="2194132"/>
+            <a:ext cx="10769064" cy="2469735"/>
           </a:xfrm>
           <a:prstGeom prst="rect">
             <a:avLst/>
@@ -13182,7 +9837,7 @@
           <a:p>
             <a:pPr algn="ctr"/>
             <a:r>
-              <a:rPr lang="ru-RU" sz="4000" b="1" dirty="0">
+              <a:rPr lang="bg-BG" sz="13800" b="1" dirty="0">
                 <a:solidFill>
                   <a:schemeClr val="tx2">
                     <a:lumMod val="75000"/>
@@ -13190,130 +9845,9 @@
                 </a:solidFill>
                 <a:latin typeface="Josefin Sans" pitchFamily="2" charset="0"/>
               </a:rPr>
-              <a:t>Приложения, </a:t>
+              <a:t>Демо</a:t>
             </a:r>
-            <a:r>
-              <a:rPr lang="ru-RU" sz="4000" b="1" dirty="0" err="1">
-                <a:solidFill>
-                  <a:schemeClr val="tx2">
-                    <a:lumMod val="75000"/>
-                  </a:schemeClr>
-                </a:solidFill>
-                <a:latin typeface="Josefin Sans" pitchFamily="2" charset="0"/>
-              </a:rPr>
-              <a:t>инструменти</a:t>
-            </a:r>
-            <a:r>
-              <a:rPr lang="ru-RU" sz="4000" b="1" dirty="0">
-                <a:solidFill>
-                  <a:schemeClr val="tx2">
-                    <a:lumMod val="75000"/>
-                  </a:schemeClr>
-                </a:solidFill>
-                <a:latin typeface="Josefin Sans" pitchFamily="2" charset="0"/>
-              </a:rPr>
-              <a:t> и </a:t>
-            </a:r>
-            <a:r>
-              <a:rPr lang="ru-RU" sz="4000" b="1" dirty="0" err="1">
-                <a:solidFill>
-                  <a:schemeClr val="tx2">
-                    <a:lumMod val="75000"/>
-                  </a:schemeClr>
-                </a:solidFill>
-                <a:latin typeface="Josefin Sans" pitchFamily="2" charset="0"/>
-              </a:rPr>
-              <a:t>езици</a:t>
-            </a:r>
-            <a:r>
-              <a:rPr lang="ru-RU" sz="4000" b="1" dirty="0">
-                <a:solidFill>
-                  <a:schemeClr val="tx2">
-                    <a:lumMod val="75000"/>
-                  </a:schemeClr>
-                </a:solidFill>
-                <a:latin typeface="Josefin Sans" pitchFamily="2" charset="0"/>
-              </a:rPr>
-              <a:t> за </a:t>
-            </a:r>
-            <a:r>
-              <a:rPr lang="ru-RU" sz="4000" b="1" dirty="0" err="1">
-                <a:solidFill>
-                  <a:schemeClr val="tx2">
-                    <a:lumMod val="75000"/>
-                  </a:schemeClr>
-                </a:solidFill>
-                <a:latin typeface="Josefin Sans" pitchFamily="2" charset="0"/>
-              </a:rPr>
-              <a:t>програмиране</a:t>
-            </a:r>
-            <a:r>
-              <a:rPr lang="ru-RU" sz="4000" b="1" dirty="0">
-                <a:solidFill>
-                  <a:schemeClr val="tx2">
-                    <a:lumMod val="75000"/>
-                  </a:schemeClr>
-                </a:solidFill>
-                <a:latin typeface="Josefin Sans" pitchFamily="2" charset="0"/>
-              </a:rPr>
-              <a:t>, </a:t>
-            </a:r>
-            <a:r>
-              <a:rPr lang="ru-RU" sz="4000" b="1" dirty="0" err="1">
-                <a:solidFill>
-                  <a:schemeClr val="tx2">
-                    <a:lumMod val="75000"/>
-                  </a:schemeClr>
-                </a:solidFill>
-                <a:latin typeface="Josefin Sans" pitchFamily="2" charset="0"/>
-              </a:rPr>
-              <a:t>които</a:t>
-            </a:r>
-            <a:r>
-              <a:rPr lang="ru-RU" sz="4000" b="1" dirty="0">
-                <a:solidFill>
-                  <a:schemeClr val="tx2">
-                    <a:lumMod val="75000"/>
-                  </a:schemeClr>
-                </a:solidFill>
-                <a:latin typeface="Josefin Sans" pitchFamily="2" charset="0"/>
-              </a:rPr>
-              <a:t> </a:t>
-            </a:r>
-            <a:r>
-              <a:rPr lang="ru-RU" sz="4000" b="1" dirty="0" err="1">
-                <a:solidFill>
-                  <a:schemeClr val="tx2">
-                    <a:lumMod val="75000"/>
-                  </a:schemeClr>
-                </a:solidFill>
-                <a:latin typeface="Josefin Sans" pitchFamily="2" charset="0"/>
-              </a:rPr>
-              <a:t>сме</a:t>
-            </a:r>
-            <a:r>
-              <a:rPr lang="ru-RU" sz="4000" b="1" dirty="0">
-                <a:solidFill>
-                  <a:schemeClr val="tx2">
-                    <a:lumMod val="75000"/>
-                  </a:schemeClr>
-                </a:solidFill>
-                <a:latin typeface="Josefin Sans" pitchFamily="2" charset="0"/>
-              </a:rPr>
-              <a:t> </a:t>
-            </a:r>
-            <a:r>
-              <a:rPr lang="ru-RU" sz="4000" b="1" dirty="0" err="1">
-                <a:solidFill>
-                  <a:schemeClr val="tx2">
-                    <a:lumMod val="75000"/>
-                  </a:schemeClr>
-                </a:solidFill>
-                <a:latin typeface="Josefin Sans" pitchFamily="2" charset="0"/>
-              </a:rPr>
-              <a:t>използвали</a:t>
-            </a:r>
-            <a:endParaRPr sz="4000" b="1" dirty="0">
+            <a:endParaRPr sz="8000" b="1" dirty="0">
               <a:solidFill>
                 <a:schemeClr val="tx2">
                   <a:lumMod val="75000"/>
@@ -13324,357 +9858,23 @@
           </a:p>
         </p:txBody>
       </p:sp>
-      <p:pic>
-        <p:nvPicPr>
-          <p:cNvPr id="497" name="Google Shape;497;p32"/>
-          <p:cNvPicPr preferRelativeResize="0"/>
-          <p:nvPr/>
-        </p:nvPicPr>
-        <p:blipFill>
-          <a:blip r:embed="rId3"/>
-          <a:stretch>
-            <a:fillRect/>
-          </a:stretch>
-        </p:blipFill>
-        <p:spPr>
-          <a:xfrm>
-            <a:off x="5003492" y="2422117"/>
-            <a:ext cx="1323488" cy="1266247"/>
-          </a:xfrm>
-          <a:prstGeom prst="rect">
-            <a:avLst/>
-          </a:prstGeom>
-          <a:noFill/>
-          <a:ln>
-            <a:noFill/>
-          </a:ln>
-        </p:spPr>
-      </p:pic>
-      <p:pic>
-        <p:nvPicPr>
-          <p:cNvPr id="3080" name="Picture 8"/>
-          <p:cNvPicPr>
-            <a:picLocks noChangeAspect="1" noChangeArrowheads="1"/>
-          </p:cNvPicPr>
-          <p:nvPr/>
-        </p:nvPicPr>
-        <p:blipFill>
-          <a:blip r:embed="rId4" cstate="print">
-            <a:extLst>
-              <a:ext uri="{28A0092B-C50C-407E-A947-70E740481C1C}">
-                <a14:useLocalDpi xmlns:a14="http://schemas.microsoft.com/office/drawing/2010/main" val="0"/>
-              </a:ext>
-            </a:extLst>
-          </a:blip>
-          <a:srcRect/>
-          <a:stretch>
-            <a:fillRect/>
-          </a:stretch>
-        </p:blipFill>
-        <p:spPr bwMode="auto">
-          <a:xfrm>
-            <a:off x="8269144" y="2400233"/>
-            <a:ext cx="1310017" cy="1310017"/>
-          </a:xfrm>
-          <a:prstGeom prst="rect">
-            <a:avLst/>
-          </a:prstGeom>
-          <a:noFill/>
-          <a:extLst>
-            <a:ext uri="{909E8E84-426E-40DD-AFC4-6F175D3DCCD1}">
-              <a14:hiddenFill xmlns:a14="http://schemas.microsoft.com/office/drawing/2010/main">
-                <a:solidFill>
-                  <a:srgbClr val="FFFFFF"/>
-                </a:solidFill>
-              </a14:hiddenFill>
-            </a:ext>
-          </a:extLst>
-        </p:spPr>
-      </p:pic>
-      <p:pic>
-        <p:nvPicPr>
-          <p:cNvPr id="2" name="Картина 1"/>
-          <p:cNvPicPr>
-            <a:picLocks noChangeAspect="1"/>
-          </p:cNvPicPr>
-          <p:nvPr/>
-        </p:nvPicPr>
-        <p:blipFill>
-          <a:blip r:embed="rId5" cstate="print">
-            <a:extLst>
-              <a:ext uri="{28A0092B-C50C-407E-A947-70E740481C1C}">
-                <a14:useLocalDpi xmlns:a14="http://schemas.microsoft.com/office/drawing/2010/main" val="0"/>
-              </a:ext>
-            </a:extLst>
-          </a:blip>
-          <a:stretch>
-            <a:fillRect/>
-          </a:stretch>
-        </p:blipFill>
-        <p:spPr>
-          <a:xfrm>
-            <a:off x="1563698" y="4910163"/>
-            <a:ext cx="1390488" cy="1390488"/>
-          </a:xfrm>
-          <a:prstGeom prst="rect">
-            <a:avLst/>
-          </a:prstGeom>
-        </p:spPr>
-      </p:pic>
-      <p:pic>
-        <p:nvPicPr>
-          <p:cNvPr id="3" name="Картина 2"/>
-          <p:cNvPicPr>
-            <a:picLocks noChangeAspect="1"/>
-          </p:cNvPicPr>
-          <p:nvPr/>
-        </p:nvPicPr>
-        <p:blipFill>
-          <a:blip r:embed="rId6" cstate="print">
-            <a:extLst>
-              <a:ext uri="{28A0092B-C50C-407E-A947-70E740481C1C}">
-                <a14:useLocalDpi xmlns:a14="http://schemas.microsoft.com/office/drawing/2010/main" val="0"/>
-              </a:ext>
-            </a:extLst>
-          </a:blip>
-          <a:stretch>
-            <a:fillRect/>
-          </a:stretch>
-        </p:blipFill>
-        <p:spPr>
-          <a:xfrm>
-            <a:off x="3176505" y="3226495"/>
-            <a:ext cx="1383828" cy="1389017"/>
-          </a:xfrm>
-          <a:prstGeom prst="rect">
-            <a:avLst/>
-          </a:prstGeom>
-        </p:spPr>
-      </p:pic>
-      <p:pic>
-        <p:nvPicPr>
-          <p:cNvPr id="4" name="Картина 3"/>
-          <p:cNvPicPr>
-            <a:picLocks noChangeAspect="1"/>
-          </p:cNvPicPr>
-          <p:nvPr/>
-        </p:nvPicPr>
-        <p:blipFill>
-          <a:blip r:embed="rId7" cstate="print">
-            <a:extLst>
-              <a:ext uri="{28A0092B-C50C-407E-A947-70E740481C1C}">
-                <a14:useLocalDpi xmlns:a14="http://schemas.microsoft.com/office/drawing/2010/main" val="0"/>
-              </a:ext>
-            </a:extLst>
-          </a:blip>
-          <a:stretch>
-            <a:fillRect/>
-          </a:stretch>
-        </p:blipFill>
-        <p:spPr>
-          <a:xfrm>
-            <a:off x="6635197" y="3609189"/>
-            <a:ext cx="1201501" cy="1201501"/>
-          </a:xfrm>
-          <a:prstGeom prst="rect">
-            <a:avLst/>
-          </a:prstGeom>
-        </p:spPr>
-      </p:pic>
-      <p:pic>
-        <p:nvPicPr>
-          <p:cNvPr id="5" name="Картина 4"/>
-          <p:cNvPicPr>
-            <a:picLocks noChangeAspect="1"/>
-          </p:cNvPicPr>
-          <p:nvPr/>
-        </p:nvPicPr>
-        <p:blipFill>
-          <a:blip r:embed="rId8" cstate="print">
-            <a:extLst>
-              <a:ext uri="{28A0092B-C50C-407E-A947-70E740481C1C}">
-                <a14:useLocalDpi xmlns:a14="http://schemas.microsoft.com/office/drawing/2010/main" val="0"/>
-              </a:ext>
-            </a:extLst>
-          </a:blip>
-          <a:stretch>
-            <a:fillRect/>
-          </a:stretch>
-        </p:blipFill>
-        <p:spPr>
-          <a:xfrm>
-            <a:off x="8577710" y="4317940"/>
-            <a:ext cx="1395140" cy="1395140"/>
-          </a:xfrm>
-          <a:prstGeom prst="rect">
-            <a:avLst/>
-          </a:prstGeom>
-        </p:spPr>
-      </p:pic>
-      <p:pic>
-        <p:nvPicPr>
-          <p:cNvPr id="6" name="Картина 5"/>
-          <p:cNvPicPr>
-            <a:picLocks noChangeAspect="1"/>
-          </p:cNvPicPr>
-          <p:nvPr/>
-        </p:nvPicPr>
-        <p:blipFill>
-          <a:blip r:embed="rId9" cstate="print">
-            <a:extLst>
-              <a:ext uri="{28A0092B-C50C-407E-A947-70E740481C1C}">
-                <a14:useLocalDpi xmlns:a14="http://schemas.microsoft.com/office/drawing/2010/main" val="0"/>
-              </a:ext>
-            </a:extLst>
-          </a:blip>
-          <a:stretch>
-            <a:fillRect/>
-          </a:stretch>
-        </p:blipFill>
-        <p:spPr>
-          <a:xfrm>
-            <a:off x="6294228" y="5015510"/>
-            <a:ext cx="1603758" cy="1603758"/>
-          </a:xfrm>
-          <a:prstGeom prst="rect">
-            <a:avLst/>
-          </a:prstGeom>
-        </p:spPr>
-      </p:pic>
-      <p:pic>
-        <p:nvPicPr>
-          <p:cNvPr id="7" name="Картина 6"/>
-          <p:cNvPicPr>
-            <a:picLocks noChangeAspect="1"/>
-          </p:cNvPicPr>
-          <p:nvPr/>
-        </p:nvPicPr>
-        <p:blipFill>
-          <a:blip r:embed="rId10" cstate="print">
-            <a:extLst>
-              <a:ext uri="{28A0092B-C50C-407E-A947-70E740481C1C}">
-                <a14:useLocalDpi xmlns:a14="http://schemas.microsoft.com/office/drawing/2010/main" val="0"/>
-              </a:ext>
-            </a:extLst>
-          </a:blip>
-          <a:stretch>
-            <a:fillRect/>
-          </a:stretch>
-        </p:blipFill>
-        <p:spPr>
-          <a:xfrm>
-            <a:off x="1563698" y="2315765"/>
-            <a:ext cx="1252131" cy="1252131"/>
-          </a:xfrm>
-          <a:prstGeom prst="rect">
-            <a:avLst/>
-          </a:prstGeom>
-        </p:spPr>
-      </p:pic>
-      <p:sp>
-        <p:nvSpPr>
-          <p:cNvPr id="8" name="Text Box 7"/>
-          <p:cNvSpPr txBox="1"/>
-          <p:nvPr/>
-        </p:nvSpPr>
-        <p:spPr>
-          <a:xfrm>
-            <a:off x="6543203" y="3168252"/>
-            <a:ext cx="1304925" cy="523220"/>
-          </a:xfrm>
-          <a:prstGeom prst="rect">
-            <a:avLst/>
-          </a:prstGeom>
-          <a:noFill/>
-        </p:spPr>
-        <p:txBody>
-          <a:bodyPr wrap="square" rtlCol="0">
-            <a:spAutoFit/>
-          </a:bodyPr>
-          <a:lstStyle/>
-          <a:p>
-            <a:pPr algn="ctr"/>
-            <a:r>
-              <a:rPr lang="en-US" altLang="en-US" sz="2800" b="1" dirty="0">
-                <a:solidFill>
-                  <a:srgbClr val="000000"/>
-                </a:solidFill>
-                <a:latin typeface="Arial Black" panose="020B0A04020102020204" charset="0"/>
-                <a:cs typeface="Arial Black" panose="020B0A04020102020204" charset="0"/>
-              </a:rPr>
-              <a:t>CSS</a:t>
-            </a:r>
-          </a:p>
-        </p:txBody>
-      </p:sp>
-      <p:pic>
-        <p:nvPicPr>
-          <p:cNvPr id="1026" name="Picture 2" descr="Free Javascript Icon - Download in Flat Style">
-            <a:extLst>
-              <a:ext uri="{FF2B5EF4-FFF2-40B4-BE49-F238E27FC236}">
-                <a16:creationId xmlns:a16="http://schemas.microsoft.com/office/drawing/2014/main" id="{A84E33D5-B37E-C6E8-FC15-AE51E18A02C8}"/>
-              </a:ext>
-            </a:extLst>
-          </p:cNvPr>
-          <p:cNvPicPr>
-            <a:picLocks noChangeAspect="1" noChangeArrowheads="1"/>
-          </p:cNvPicPr>
-          <p:nvPr/>
-        </p:nvPicPr>
-        <p:blipFill>
-          <a:blip r:embed="rId11">
-            <a:extLst>
-              <a:ext uri="{28A0092B-C50C-407E-A947-70E740481C1C}">
-                <a14:useLocalDpi xmlns:a14="http://schemas.microsoft.com/office/drawing/2010/main" val="0"/>
-              </a:ext>
-            </a:extLst>
-          </a:blip>
-          <a:srcRect/>
-          <a:stretch>
-            <a:fillRect/>
-          </a:stretch>
-        </p:blipFill>
-        <p:spPr bwMode="auto">
-          <a:xfrm>
-            <a:off x="4119130" y="4662470"/>
-            <a:ext cx="1603758" cy="1638181"/>
-          </a:xfrm>
-          <a:prstGeom prst="rect">
-            <a:avLst/>
-          </a:prstGeom>
-          <a:noFill/>
-          <a:extLst>
-            <a:ext uri="{909E8E84-426E-40DD-AFC4-6F175D3DCCD1}">
-              <a14:hiddenFill xmlns:a14="http://schemas.microsoft.com/office/drawing/2010/main">
-                <a:solidFill>
-                  <a:srgbClr val="FFFFFF"/>
-                </a:solidFill>
-              </a14:hiddenFill>
-            </a:ext>
-          </a:extLst>
-        </p:spPr>
-      </p:pic>
     </p:spTree>
+    <p:extLst>
+      <p:ext uri="{BB962C8B-B14F-4D97-AF65-F5344CB8AC3E}">
+        <p14:creationId xmlns:p14="http://schemas.microsoft.com/office/powerpoint/2010/main" val="2045275314"/>
+      </p:ext>
+    </p:extLst>
   </p:cSld>
   <p:clrMapOvr>
     <a:masterClrMapping/>
   </p:clrMapOvr>
-  <mc:AlternateContent xmlns:mc="http://schemas.openxmlformats.org/markup-compatibility/2006" xmlns:p14="http://schemas.microsoft.com/office/powerpoint/2010/main">
-    <mc:Choice Requires="p14">
-      <p:transition spd="slow">
-        <p:wipe/>
-      </p:transition>
-    </mc:Choice>
-    <mc:Fallback xmlns="">
-      <p:transition spd="slow">
-        <p:wipe/>
-      </p:transition>
-    </mc:Fallback>
-  </mc:AlternateContent>
+  <p:transition spd="slow">
+    <p:wipe/>
+  </p:transition>
 </p:sld>
 </file>
 
-<file path=ppt/slides/slide8.xml><?xml version="1.0" encoding="utf-8"?>
+<file path=ppt/slides/slide7.xml><?xml version="1.0" encoding="utf-8"?>
 <p:sld xmlns:a="http://schemas.openxmlformats.org/drawingml/2006/main" xmlns:r="http://schemas.openxmlformats.org/officeDocument/2006/relationships" xmlns:p="http://schemas.openxmlformats.org/presentationml/2006/main">
   <p:cSld>
     <p:bg>
@@ -13805,7 +10005,7 @@
     </p:spTree>
     <p:extLst>
       <p:ext uri="{BB962C8B-B14F-4D97-AF65-F5344CB8AC3E}">
-        <p14:creationId xmlns:p14="http://schemas.microsoft.com/office/powerpoint/2010/main" val="1940627845"/>
+        <p14:creationId xmlns:p14="http://schemas.microsoft.com/office/powerpoint/2010/main" val="2806996763"/>
       </p:ext>
     </p:extLst>
   </p:cSld>
@@ -13818,7 +10018,7 @@
 </p:sld>
 </file>
 
-<file path=ppt/slides/slide9.xml><?xml version="1.0" encoding="utf-8"?>
+<file path=ppt/slides/slide8.xml><?xml version="1.0" encoding="utf-8"?>
 <p:sld xmlns:a="http://schemas.openxmlformats.org/drawingml/2006/main" xmlns:r="http://schemas.openxmlformats.org/officeDocument/2006/relationships" xmlns:p="http://schemas.openxmlformats.org/presentationml/2006/main">
   <p:cSld>
     <p:bg>
